--- a/GlobalSIP/Figures/Algorithm_Model.pptx
+++ b/GlobalSIP/Figures/Algorithm_Model.pptx
@@ -288,7 +288,7 @@
           <a:p>
             <a:fld id="{957C6957-D9CF-4A5E-A116-29D200421200}" type="datetimeFigureOut">
               <a:rPr lang="en-US" smtClean="0"/>
-              <a:t>15-Jun-15</a:t>
+              <a:t>30-Nov-15</a:t>
             </a:fld>
             <a:endParaRPr lang="en-US"/>
           </a:p>
@@ -458,7 +458,7 @@
           <a:p>
             <a:fld id="{957C6957-D9CF-4A5E-A116-29D200421200}" type="datetimeFigureOut">
               <a:rPr lang="en-US" smtClean="0"/>
-              <a:t>15-Jun-15</a:t>
+              <a:t>30-Nov-15</a:t>
             </a:fld>
             <a:endParaRPr lang="en-US"/>
           </a:p>
@@ -638,7 +638,7 @@
           <a:p>
             <a:fld id="{957C6957-D9CF-4A5E-A116-29D200421200}" type="datetimeFigureOut">
               <a:rPr lang="en-US" smtClean="0"/>
-              <a:t>15-Jun-15</a:t>
+              <a:t>30-Nov-15</a:t>
             </a:fld>
             <a:endParaRPr lang="en-US"/>
           </a:p>
@@ -808,7 +808,7 @@
           <a:p>
             <a:fld id="{957C6957-D9CF-4A5E-A116-29D200421200}" type="datetimeFigureOut">
               <a:rPr lang="en-US" smtClean="0"/>
-              <a:t>15-Jun-15</a:t>
+              <a:t>30-Nov-15</a:t>
             </a:fld>
             <a:endParaRPr lang="en-US"/>
           </a:p>
@@ -1054,7 +1054,7 @@
           <a:p>
             <a:fld id="{957C6957-D9CF-4A5E-A116-29D200421200}" type="datetimeFigureOut">
               <a:rPr lang="en-US" smtClean="0"/>
-              <a:t>15-Jun-15</a:t>
+              <a:t>30-Nov-15</a:t>
             </a:fld>
             <a:endParaRPr lang="en-US"/>
           </a:p>
@@ -1342,7 +1342,7 @@
           <a:p>
             <a:fld id="{957C6957-D9CF-4A5E-A116-29D200421200}" type="datetimeFigureOut">
               <a:rPr lang="en-US" smtClean="0"/>
-              <a:t>15-Jun-15</a:t>
+              <a:t>30-Nov-15</a:t>
             </a:fld>
             <a:endParaRPr lang="en-US"/>
           </a:p>
@@ -1764,7 +1764,7 @@
           <a:p>
             <a:fld id="{957C6957-D9CF-4A5E-A116-29D200421200}" type="datetimeFigureOut">
               <a:rPr lang="en-US" smtClean="0"/>
-              <a:t>15-Jun-15</a:t>
+              <a:t>30-Nov-15</a:t>
             </a:fld>
             <a:endParaRPr lang="en-US"/>
           </a:p>
@@ -1882,7 +1882,7 @@
           <a:p>
             <a:fld id="{957C6957-D9CF-4A5E-A116-29D200421200}" type="datetimeFigureOut">
               <a:rPr lang="en-US" smtClean="0"/>
-              <a:t>15-Jun-15</a:t>
+              <a:t>30-Nov-15</a:t>
             </a:fld>
             <a:endParaRPr lang="en-US"/>
           </a:p>
@@ -1977,7 +1977,7 @@
           <a:p>
             <a:fld id="{957C6957-D9CF-4A5E-A116-29D200421200}" type="datetimeFigureOut">
               <a:rPr lang="en-US" smtClean="0"/>
-              <a:t>15-Jun-15</a:t>
+              <a:t>30-Nov-15</a:t>
             </a:fld>
             <a:endParaRPr lang="en-US"/>
           </a:p>
@@ -2254,7 +2254,7 @@
           <a:p>
             <a:fld id="{957C6957-D9CF-4A5E-A116-29D200421200}" type="datetimeFigureOut">
               <a:rPr lang="en-US" smtClean="0"/>
-              <a:t>15-Jun-15</a:t>
+              <a:t>30-Nov-15</a:t>
             </a:fld>
             <a:endParaRPr lang="en-US"/>
           </a:p>
@@ -2507,7 +2507,7 @@
           <a:p>
             <a:fld id="{957C6957-D9CF-4A5E-A116-29D200421200}" type="datetimeFigureOut">
               <a:rPr lang="en-US" smtClean="0"/>
-              <a:t>15-Jun-15</a:t>
+              <a:t>30-Nov-15</a:t>
             </a:fld>
             <a:endParaRPr lang="en-US"/>
           </a:p>
@@ -2720,7 +2720,7 @@
           <a:p>
             <a:fld id="{957C6957-D9CF-4A5E-A116-29D200421200}" type="datetimeFigureOut">
               <a:rPr lang="en-US" smtClean="0"/>
-              <a:t>15-Jun-15</a:t>
+              <a:t>30-Nov-15</a:t>
             </a:fld>
             <a:endParaRPr lang="en-US"/>
           </a:p>
@@ -3245,7 +3245,7 @@
           <a:lstStyle/>
           <a:p>
             <a:pPr algn="ctr"/>
-            <a:endParaRPr lang="en-US"/>
+            <a:endParaRPr lang="en-US" dirty="0"/>
           </a:p>
         </p:txBody>
       </p:sp>
@@ -3294,14 +3294,14 @@
                       <m:sSub>
                         <m:sSubPr>
                           <m:ctrlPr>
-                            <a:rPr lang="en-US" sz="1000" i="1">
+                            <a:rPr lang="en-US" sz="900" i="1">
                               <a:latin typeface="Cambria Math"/>
                             </a:rPr>
                           </m:ctrlPr>
                         </m:sSubPr>
                         <m:e>
                           <m:r>
-                            <a:rPr lang="en-US" sz="1000" i="1">
+                            <a:rPr lang="en-US" sz="900" i="1">
                               <a:latin typeface="Cambria Math"/>
                             </a:rPr>
                             <m:t>𝑁</m:t>
@@ -3309,7 +3309,7 @@
                         </m:e>
                         <m:sub>
                           <m:r>
-                            <a:rPr lang="en-US" sz="1000" i="1">
+                            <a:rPr lang="en-US" sz="900" i="1">
                               <a:latin typeface="Cambria Math"/>
                             </a:rPr>
                             <m:t>𝑅</m:t>
@@ -3317,7 +3317,7 @@
                         </m:sub>
                       </m:sSub>
                       <m:r>
-                        <a:rPr lang="en-US" sz="1000" i="1">
+                        <a:rPr lang="en-US" sz="900" i="1">
                           <a:latin typeface="Cambria Math"/>
                         </a:rPr>
                         <m:t>&gt;1</m:t>
@@ -3325,7 +3325,7 @@
                     </m:oMath>
                   </m:oMathPara>
                 </a14:m>
-                <a:endParaRPr lang="en-US" sz="1000" dirty="0"/>
+                <a:endParaRPr lang="en-US" sz="900" dirty="0"/>
               </a:p>
               <a:p>
                 <a:pPr algn="ctr"/>
@@ -3336,13 +3336,13 @@
                     </m:oMathParaPr>
                     <m:oMath xmlns:m="http://schemas.openxmlformats.org/officeDocument/2006/math">
                       <m:r>
-                        <a:rPr lang="en-US" sz="1000" i="1">
+                        <a:rPr lang="en-US" sz="900" i="1">
                           <a:latin typeface="Cambria Math"/>
                         </a:rPr>
                         <m:t>𝐴</m:t>
                       </m:r>
                       <m:r>
-                        <a:rPr lang="en-US" sz="1000" i="1">
+                        <a:rPr lang="en-US" sz="900" i="1">
                           <a:latin typeface="Cambria Math"/>
                         </a:rPr>
                         <m:t>=</m:t>
@@ -3352,14 +3352,14 @@
                           <m:begChr m:val="{"/>
                           <m:endChr m:val="}"/>
                           <m:ctrlPr>
-                            <a:rPr lang="en-US" sz="1000" i="1">
+                            <a:rPr lang="en-US" sz="900" i="1">
                               <a:latin typeface="Cambria Math"/>
                             </a:rPr>
                           </m:ctrlPr>
                         </m:dPr>
                         <m:e>
                           <m:r>
-                            <a:rPr lang="en-US" sz="1000" i="1">
+                            <a:rPr lang="en-US" sz="900" i="1">
                               <a:latin typeface="Cambria Math"/>
                               <a:ea typeface="Cambria Math"/>
                             </a:rPr>
@@ -3370,7 +3370,7 @@
                     </m:oMath>
                   </m:oMathPara>
                 </a14:m>
-                <a:endParaRPr lang="en-US" sz="1000" dirty="0"/>
+                <a:endParaRPr lang="en-US" sz="900" dirty="0"/>
               </a:p>
             </p:txBody>
           </p:sp>
@@ -3425,7 +3425,7 @@
             <p:spPr>
               <a:xfrm>
                 <a:off x="1133479" y="1410715"/>
-                <a:ext cx="914400" cy="357663"/>
+                <a:ext cx="914400" cy="385438"/>
               </a:xfrm>
               <a:prstGeom prst="rect">
                 <a:avLst/>
@@ -3457,37 +3457,37 @@
                     </m:oMathParaPr>
                     <m:oMath xmlns:m="http://schemas.openxmlformats.org/officeDocument/2006/math">
                       <m:r>
-                        <a:rPr lang="en-US" sz="1000" b="1" i="1">
+                        <a:rPr lang="en-US" sz="900" b="1" i="1">
                           <a:latin typeface="Cambria Math"/>
                         </a:rPr>
                         <m:t>𝑯</m:t>
                       </m:r>
                       <m:r>
-                        <a:rPr lang="en-US" sz="1000" i="1">
+                        <a:rPr lang="en-US" sz="900" i="1">
                           <a:latin typeface="Cambria Math"/>
                         </a:rPr>
                         <m:t>=</m:t>
                       </m:r>
                       <m:r>
-                        <a:rPr lang="en-US" sz="1000" b="1" i="1">
+                        <a:rPr lang="en-US" sz="900" b="1" i="1">
                           <a:latin typeface="Cambria Math"/>
                         </a:rPr>
                         <m:t>𝑼</m:t>
                       </m:r>
                       <m:r>
-                        <a:rPr lang="en-US" sz="1000" i="1">
+                        <a:rPr lang="en-US" sz="900" i="1">
                           <a:latin typeface="Cambria Math"/>
                         </a:rPr>
                         <m:t> </m:t>
                       </m:r>
                       <m:r>
-                        <a:rPr lang="en-US" sz="1000" b="1" i="1">
+                        <a:rPr lang="en-US" sz="900" b="1" i="1">
                           <a:latin typeface="Cambria Math"/>
                         </a:rPr>
                         <m:t>𝑫</m:t>
                       </m:r>
                       <m:r>
-                        <a:rPr lang="en-US" sz="1000" i="1">
+                        <a:rPr lang="en-US" sz="900" i="1">
                           <a:latin typeface="Cambria Math"/>
                         </a:rPr>
                         <m:t> </m:t>
@@ -3495,14 +3495,14 @@
                       <m:sSup>
                         <m:sSupPr>
                           <m:ctrlPr>
-                            <a:rPr lang="en-US" sz="1000" b="1" i="1">
+                            <a:rPr lang="en-US" sz="900" b="1" i="1">
                               <a:latin typeface="Cambria Math"/>
                             </a:rPr>
                           </m:ctrlPr>
                         </m:sSupPr>
                         <m:e>
                           <m:r>
-                            <a:rPr lang="en-US" sz="1000" b="1" i="1">
+                            <a:rPr lang="en-US" sz="900" b="1" i="1">
                               <a:latin typeface="Cambria Math"/>
                             </a:rPr>
                             <m:t>𝑽</m:t>
@@ -3510,7 +3510,7 @@
                         </m:e>
                         <m:sup>
                           <m:r>
-                            <a:rPr lang="en-US" sz="1000" b="1">
+                            <a:rPr lang="en-US" sz="900" b="1">
                               <a:latin typeface="Cambria Math"/>
                             </a:rPr>
                             <m:t>𝐇</m:t>
@@ -3520,7 +3520,7 @@
                     </m:oMath>
                   </m:oMathPara>
                 </a14:m>
-                <a:endParaRPr lang="en-US" sz="1000" b="1" dirty="0"/>
+                <a:endParaRPr lang="en-US" sz="900" b="1" dirty="0"/>
               </a:p>
             </p:txBody>
           </p:sp>
@@ -3537,7 +3537,7 @@
             <p:spPr>
               <a:xfrm>
                 <a:off x="1133479" y="1410715"/>
-                <a:ext cx="914400" cy="357663"/>
+                <a:ext cx="914400" cy="385438"/>
               </a:xfrm>
               <a:prstGeom prst="rect">
                 <a:avLst/>
@@ -3610,14 +3610,14 @@
                         <m:accPr>
                           <m:chr m:val="̅"/>
                           <m:ctrlPr>
-                            <a:rPr lang="en-US" sz="1000" i="1">
+                            <a:rPr lang="en-US" sz="900" i="1">
                               <a:latin typeface="Cambria Math"/>
                             </a:rPr>
                           </m:ctrlPr>
                         </m:accPr>
                         <m:e>
                           <m:r>
-                            <a:rPr lang="en-US" sz="1000" i="1">
+                            <a:rPr lang="en-US" sz="900" i="1">
                               <a:latin typeface="Cambria Math"/>
                             </a:rPr>
                             <m:t>𝑢</m:t>
@@ -3625,7 +3625,7 @@
                         </m:e>
                       </m:acc>
                       <m:r>
-                        <a:rPr lang="en-US" sz="1000" i="1">
+                        <a:rPr lang="en-US" sz="900" i="1">
                           <a:latin typeface="Cambria Math"/>
                         </a:rPr>
                         <m:t>= </m:t>
@@ -3633,7 +3633,7 @@
                       <m:func>
                         <m:funcPr>
                           <m:ctrlPr>
-                            <a:rPr lang="en-US" sz="1000" i="1">
+                            <a:rPr lang="en-US" sz="900" i="1">
                               <a:latin typeface="Cambria Math"/>
                             </a:rPr>
                           </m:ctrlPr>
@@ -3642,7 +3642,7 @@
                           <m:limLow>
                             <m:limLowPr>
                               <m:ctrlPr>
-                                <a:rPr lang="en-US" sz="1000" i="1">
+                                <a:rPr lang="en-US" sz="900" i="1">
                                   <a:latin typeface="Cambria Math"/>
                                 </a:rPr>
                               </m:ctrlPr>
@@ -3652,7 +3652,7 @@
                                 <m:rPr>
                                   <m:sty m:val="p"/>
                                 </m:rPr>
-                                <a:rPr lang="en-US" sz="1000">
+                                <a:rPr lang="en-US" sz="900">
                                   <a:latin typeface="Cambria Math"/>
                                 </a:rPr>
                                 <m:t>max</m:t>
@@ -3660,27 +3660,27 @@
                             </m:e>
                             <m:lim>
                               <m:r>
-                                <a:rPr lang="en-US" sz="1000" i="1">
+                                <a:rPr lang="en-US" sz="900" i="1">
                                   <a:latin typeface="Cambria Math"/>
                                 </a:rPr>
                                 <m:t>𝑖</m:t>
                               </m:r>
                               <m:r>
-                                <a:rPr lang="en-US" sz="1000" i="1">
+                                <a:rPr lang="en-US" sz="900" i="1">
                                   <a:latin typeface="Cambria Math"/>
                                   <a:ea typeface="Cambria Math"/>
                                 </a:rPr>
                                 <m:t>∈</m:t>
                               </m:r>
                               <m:r>
-                                <a:rPr lang="en-US" sz="1000" i="1">
+                                <a:rPr lang="en-US" sz="900" i="1">
                                   <a:latin typeface="Cambria Math"/>
                                   <a:ea typeface="Cambria Math"/>
                                 </a:rPr>
                                 <m:t>𝑈</m:t>
                               </m:r>
                               <m:r>
-                                <a:rPr lang="en-US" sz="1000" i="1">
+                                <a:rPr lang="en-US" sz="900" i="1">
                                   <a:latin typeface="Cambria Math"/>
                                   <a:ea typeface="Cambria Math"/>
                                 </a:rPr>
@@ -3690,7 +3690,7 @@
                                 <m:rPr>
                                   <m:sty m:val="p"/>
                                 </m:rPr>
-                                <a:rPr lang="en-US" sz="1000" i="1">
+                                <a:rPr lang="en-US" sz="900" i="1">
                                   <a:latin typeface="Cambria Math"/>
                                   <a:ea typeface="Cambria Math"/>
                                 </a:rPr>
@@ -3705,7 +3705,7 @@
                               <m:begChr m:val="‖"/>
                               <m:endChr m:val="‖"/>
                               <m:ctrlPr>
-                                <a:rPr lang="en-US" sz="1000" i="1">
+                                <a:rPr lang="en-US" sz="900" i="1">
                                   <a:latin typeface="Cambria Math"/>
                                 </a:rPr>
                               </m:ctrlPr>
@@ -3714,14 +3714,14 @@
                               <m:sSub>
                                 <m:sSubPr>
                                   <m:ctrlPr>
-                                    <a:rPr lang="en-US" sz="1000" i="1">
+                                    <a:rPr lang="en-US" sz="900" i="1">
                                       <a:latin typeface="Cambria Math"/>
                                     </a:rPr>
                                   </m:ctrlPr>
                                 </m:sSubPr>
                                 <m:e>
                                   <m:r>
-                                    <a:rPr lang="en-US" sz="1000" b="1" i="1">
+                                    <a:rPr lang="en-US" sz="900" b="1" i="1">
                                       <a:latin typeface="Cambria Math"/>
                                     </a:rPr>
                                     <m:t>𝒉</m:t>
@@ -3729,7 +3729,7 @@
                                 </m:e>
                                 <m:sub>
                                   <m:r>
-                                    <a:rPr lang="en-US" sz="1000" i="1">
+                                    <a:rPr lang="en-US" sz="900" i="1">
                                       <a:latin typeface="Cambria Math"/>
                                     </a:rPr>
                                     <m:t>𝑖</m:t>
@@ -3743,7 +3743,7 @@
                     </m:oMath>
                   </m:oMathPara>
                 </a14:m>
-                <a:endParaRPr lang="en-US" sz="1000" dirty="0"/>
+                <a:endParaRPr lang="en-US" sz="900" dirty="0"/>
               </a:p>
             </p:txBody>
           </p:sp>
@@ -3797,7 +3797,7 @@
             </p:nvSpPr>
             <p:spPr>
               <a:xfrm>
-                <a:off x="433393" y="1424475"/>
+                <a:off x="431214" y="1438361"/>
                 <a:ext cx="404813" cy="330145"/>
               </a:xfrm>
               <a:prstGeom prst="rect">
@@ -3857,7 +3857,7 @@
             </p:nvSpPr>
             <p:spPr>
               <a:xfrm>
-                <a:off x="433393" y="1424475"/>
+                <a:off x="431214" y="1438361"/>
                 <a:ext cx="404813" cy="330145"/>
               </a:xfrm>
               <a:prstGeom prst="rect">
@@ -3896,7 +3896,7 @@
         </p:nvCxnSpPr>
         <p:spPr>
           <a:xfrm rot="10800000" flipV="1">
-            <a:off x="1590679" y="855512"/>
+            <a:off x="1590679" y="855511"/>
             <a:ext cx="704852" cy="555204"/>
           </a:xfrm>
           <a:prstGeom prst="bentConnector2">
@@ -3932,8 +3932,8 @@
         </p:nvCxnSpPr>
         <p:spPr>
           <a:xfrm flipH="1">
-            <a:off x="838206" y="1589546"/>
-            <a:ext cx="295275" cy="0"/>
+            <a:off x="836027" y="1603434"/>
+            <a:ext cx="297452" cy="0"/>
           </a:xfrm>
           <a:prstGeom prst="straightConnector1">
             <a:avLst/>
@@ -3969,7 +3969,7 @@
             <p:spPr>
               <a:xfrm>
                 <a:off x="3533778" y="1260905"/>
-                <a:ext cx="952499" cy="306197"/>
+                <a:ext cx="952499" cy="278910"/>
               </a:xfrm>
               <a:prstGeom prst="rect">
                 <a:avLst/>
@@ -3990,13 +3990,13 @@
                     </m:oMathParaPr>
                     <m:oMath xmlns:m="http://schemas.openxmlformats.org/officeDocument/2006/math">
                       <m:r>
-                        <a:rPr lang="en-US" sz="1000" b="1" i="1">
+                        <a:rPr lang="en-US" sz="900" b="1" i="1">
                           <a:latin typeface="Cambria Math"/>
                         </a:rPr>
                         <m:t>𝒉</m:t>
                       </m:r>
                       <m:r>
-                        <a:rPr lang="en-US" sz="1000" b="1" i="1">
+                        <a:rPr lang="en-US" sz="900" b="1" i="1">
                           <a:latin typeface="Cambria Math"/>
                         </a:rPr>
                         <m:t>=</m:t>
@@ -4004,7 +4004,7 @@
                       <m:sSup>
                         <m:sSupPr>
                           <m:ctrlPr>
-                            <a:rPr lang="en-US" sz="1000" b="1" i="1">
+                            <a:rPr lang="en-US" sz="900" b="1" i="1">
                               <a:latin typeface="Cambria Math"/>
                             </a:rPr>
                           </m:ctrlPr>
@@ -4013,7 +4013,7 @@
                           <m:d>
                             <m:dPr>
                               <m:ctrlPr>
-                                <a:rPr lang="en-US" sz="1000" b="1" i="1">
+                                <a:rPr lang="en-US" sz="900" b="1" i="1">
                                   <a:latin typeface="Cambria Math"/>
                                 </a:rPr>
                               </m:ctrlPr>
@@ -4022,14 +4022,14 @@
                               <m:sSup>
                                 <m:sSupPr>
                                   <m:ctrlPr>
-                                    <a:rPr lang="en-US" sz="1000" b="1" i="1">
+                                    <a:rPr lang="en-US" sz="900" b="1" i="1">
                                       <a:latin typeface="Cambria Math"/>
                                     </a:rPr>
                                   </m:ctrlPr>
                                 </m:sSupPr>
                                 <m:e>
                                   <m:r>
-                                    <a:rPr lang="en-US" sz="1000" b="1" i="1">
+                                    <a:rPr lang="en-US" sz="900" b="1" i="1">
                                       <a:latin typeface="Cambria Math"/>
                                     </a:rPr>
                                     <m:t>𝑼</m:t>
@@ -4037,7 +4037,7 @@
                                 </m:e>
                                 <m:sup>
                                   <m:r>
-                                    <a:rPr lang="en-US" sz="1000" b="1">
+                                    <a:rPr lang="en-US" sz="900" b="1">
                                       <a:latin typeface="Cambria Math"/>
                                     </a:rPr>
                                     <m:t>𝐇</m:t>
@@ -4045,7 +4045,7 @@
                                 </m:sup>
                               </m:sSup>
                               <m:r>
-                                <a:rPr lang="en-US" sz="1000" b="1" i="1">
+                                <a:rPr lang="en-US" sz="900" b="1" i="1">
                                   <a:latin typeface="Cambria Math"/>
                                 </a:rPr>
                                 <m:t>𝑯</m:t>
@@ -4055,7 +4055,7 @@
                         </m:e>
                         <m:sup>
                           <m:r>
-                            <a:rPr lang="en-US" sz="1000" b="1">
+                            <a:rPr lang="en-US" sz="900" b="1">
                               <a:latin typeface="Cambria Math"/>
                             </a:rPr>
                             <m:t>𝐓</m:t>
@@ -4065,7 +4065,7 @@
                     </m:oMath>
                   </m:oMathPara>
                 </a14:m>
-                <a:endParaRPr lang="en-US" sz="900" b="1" dirty="0"/>
+                <a:endParaRPr lang="en-US" sz="800" b="1" dirty="0"/>
               </a:p>
             </p:txBody>
           </p:sp>
@@ -4082,7 +4082,7 @@
             <p:spPr>
               <a:xfrm>
                 <a:off x="3533778" y="1260905"/>
-                <a:ext cx="952499" cy="306197"/>
+                <a:ext cx="952499" cy="278910"/>
               </a:xfrm>
               <a:prstGeom prst="rect">
                 <a:avLst/>
@@ -4120,8 +4120,8 @@
         </p:nvCxnSpPr>
         <p:spPr>
           <a:xfrm>
-            <a:off x="2047881" y="1589548"/>
-            <a:ext cx="3111301" cy="407435"/>
+            <a:off x="2047879" y="1603434"/>
+            <a:ext cx="3111303" cy="393549"/>
           </a:xfrm>
           <a:prstGeom prst="bentConnector2">
             <a:avLst/>
@@ -4225,15 +4225,44 @@
                       <m:jc m:val="center"/>
                     </m:oMathParaPr>
                     <m:oMath xmlns:m="http://schemas.openxmlformats.org/officeDocument/2006/math">
-                      <m:r>
-                        <m:rPr>
-                          <m:sty m:val="p"/>
-                        </m:rPr>
-                        <a:rPr lang="en-US" sz="1000">
-                          <a:latin typeface="Cambria Math"/>
-                        </a:rPr>
-                        <m:t>Norm</m:t>
-                      </m:r>
+                      <m:d>
+                        <m:dPr>
+                          <m:begChr m:val="‖"/>
+                          <m:endChr m:val="‖"/>
+                          <m:ctrlPr>
+                            <a:rPr lang="en-US" sz="1000" i="1" smtClean="0">
+                              <a:latin typeface="Cambria Math"/>
+                            </a:rPr>
+                          </m:ctrlPr>
+                        </m:dPr>
+                        <m:e>
+                          <m:sSub>
+                            <m:sSubPr>
+                              <m:ctrlPr>
+                                <a:rPr lang="en-US" sz="1000" i="1" smtClean="0">
+                                  <a:latin typeface="Cambria Math"/>
+                                </a:rPr>
+                              </m:ctrlPr>
+                            </m:sSubPr>
+                            <m:e>
+                              <m:r>
+                                <a:rPr lang="en-US" sz="1000" b="1" i="1" smtClean="0">
+                                  <a:latin typeface="Cambria Math"/>
+                                </a:rPr>
+                                <m:t>𝒉</m:t>
+                              </m:r>
+                            </m:e>
+                            <m:sub>
+                              <m:r>
+                                <a:rPr lang="en-US" sz="1000" b="0" i="1" smtClean="0">
+                                  <a:latin typeface="Cambria Math"/>
+                                </a:rPr>
+                                <m:t>𝑖</m:t>
+                              </m:r>
+                            </m:sub>
+                          </m:sSub>
+                        </m:e>
+                      </m:d>
                     </m:oMath>
                   </m:oMathPara>
                 </a14:m>
@@ -4292,7 +4321,7 @@
             <p:spPr>
               <a:xfrm>
                 <a:off x="4583713" y="589298"/>
-                <a:ext cx="742949" cy="254364"/>
+                <a:ext cx="742949" cy="233321"/>
               </a:xfrm>
               <a:prstGeom prst="rect">
                 <a:avLst/>
@@ -4313,13 +4342,13 @@
                     </m:oMathParaPr>
                     <m:oMath xmlns:m="http://schemas.openxmlformats.org/officeDocument/2006/math">
                       <m:r>
-                        <a:rPr lang="en-US" sz="1000" b="1" i="1">
+                        <a:rPr lang="en-US" sz="900" b="1" i="1">
                           <a:latin typeface="Cambria Math"/>
                         </a:rPr>
                         <m:t>𝒉</m:t>
                       </m:r>
                       <m:r>
-                        <a:rPr lang="en-US" sz="1000" b="1" i="1">
+                        <a:rPr lang="en-US" sz="900" b="1" i="1">
                           <a:latin typeface="Cambria Math"/>
                         </a:rPr>
                         <m:t>=</m:t>
@@ -4327,14 +4356,14 @@
                       <m:sSup>
                         <m:sSupPr>
                           <m:ctrlPr>
-                            <a:rPr lang="en-US" sz="1000" b="1" i="1">
+                            <a:rPr lang="en-US" sz="900" b="1" i="1">
                               <a:latin typeface="Cambria Math"/>
                             </a:rPr>
                           </m:ctrlPr>
                         </m:sSupPr>
                         <m:e>
                           <m:r>
-                            <a:rPr lang="en-US" sz="1000" b="1" i="1">
+                            <a:rPr lang="en-US" sz="900" b="1" i="1">
                               <a:latin typeface="Cambria Math"/>
                             </a:rPr>
                             <m:t>𝒉</m:t>
@@ -4342,7 +4371,7 @@
                         </m:e>
                         <m:sup>
                           <m:r>
-                            <a:rPr lang="en-US" sz="1000" b="1">
+                            <a:rPr lang="en-US" sz="900" b="1">
                               <a:latin typeface="Cambria Math"/>
                             </a:rPr>
                             <m:t>𝐓</m:t>
@@ -4352,7 +4381,7 @@
                     </m:oMath>
                   </m:oMathPara>
                 </a14:m>
-                <a:endParaRPr lang="en-US" sz="900" b="1" dirty="0"/>
+                <a:endParaRPr lang="en-US" sz="800" b="1" dirty="0"/>
               </a:p>
             </p:txBody>
           </p:sp>
@@ -4369,7 +4398,7 @@
             <p:spPr>
               <a:xfrm>
                 <a:off x="4583713" y="589298"/>
-                <a:ext cx="742949" cy="254364"/>
+                <a:ext cx="742949" cy="233321"/>
               </a:xfrm>
               <a:prstGeom prst="rect">
                 <a:avLst/>
@@ -4476,52 +4505,53 @@
                     </m:oMathParaPr>
                     <m:oMath xmlns:m="http://schemas.openxmlformats.org/officeDocument/2006/math">
                       <m:r>
-                        <a:rPr lang="en-US" sz="1000" i="1">
+                        <a:rPr lang="en-US" sz="900" i="1" smtClean="0">
                           <a:latin typeface="Cambria Math"/>
                         </a:rPr>
                         <m:t>𝐴</m:t>
                       </m:r>
                       <m:r>
-                        <a:rPr lang="en-US" sz="1000" i="1">
+                        <a:rPr lang="en-US" sz="900" i="1" smtClean="0">
                           <a:latin typeface="Cambria Math"/>
                         </a:rPr>
-                        <m:t>= </m:t>
+                        <m:t>=</m:t>
+                      </m:r>
+                      <m:r>
+                        <a:rPr lang="en-US" sz="900" b="0" i="1" smtClean="0">
+                          <a:latin typeface="Cambria Math"/>
+                        </a:rPr>
+                        <m:t>𝐴</m:t>
+                      </m:r>
+                      <m:r>
+                        <a:rPr lang="en-US" sz="900" b="0" i="1" smtClean="0">
+                          <a:latin typeface="Cambria Math"/>
+                          <a:ea typeface="Cambria Math"/>
+                        </a:rPr>
+                        <m:t>∪</m:t>
                       </m:r>
                       <m:d>
                         <m:dPr>
                           <m:begChr m:val="{"/>
                           <m:endChr m:val="}"/>
                           <m:ctrlPr>
-                            <a:rPr lang="en-US" sz="1000" i="1">
+                            <a:rPr lang="en-US" sz="900" i="1">
                               <a:latin typeface="Cambria Math"/>
                             </a:rPr>
                           </m:ctrlPr>
                         </m:dPr>
                         <m:e>
-                          <m:r>
-                            <a:rPr lang="en-US" sz="1000" i="1">
-                              <a:latin typeface="Cambria Math"/>
-                            </a:rPr>
-                            <m:t>𝐴</m:t>
-                          </m:r>
-                          <m:r>
-                            <a:rPr lang="en-US" sz="1000" i="1">
-                              <a:latin typeface="Cambria Math"/>
-                            </a:rPr>
-                            <m:t>,</m:t>
-                          </m:r>
                           <m:acc>
                             <m:accPr>
                               <m:chr m:val="̅"/>
                               <m:ctrlPr>
-                                <a:rPr lang="en-US" sz="1000" i="1">
+                                <a:rPr lang="en-US" sz="900" i="1" smtClean="0">
                                   <a:latin typeface="Cambria Math"/>
                                 </a:rPr>
                               </m:ctrlPr>
                             </m:accPr>
                             <m:e>
                               <m:r>
-                                <a:rPr lang="en-US" sz="1000" i="1">
+                                <a:rPr lang="en-US" sz="900" i="1">
                                   <a:latin typeface="Cambria Math"/>
                                 </a:rPr>
                                 <m:t>𝑢</m:t>
@@ -4533,7 +4563,7 @@
                     </m:oMath>
                   </m:oMathPara>
                 </a14:m>
-                <a:endParaRPr lang="en-US" sz="1000" dirty="0"/>
+                <a:endParaRPr lang="en-US" sz="900" dirty="0"/>
               </a:p>
             </p:txBody>
           </p:sp>
@@ -4624,14 +4654,14 @@
                           <m:begChr m:val="|"/>
                           <m:endChr m:val="|"/>
                           <m:ctrlPr>
-                            <a:rPr lang="en-US" sz="1000" i="1">
+                            <a:rPr lang="en-US" sz="900" i="1">
                               <a:latin typeface="Cambria Math"/>
                             </a:rPr>
                           </m:ctrlPr>
                         </m:dPr>
                         <m:e>
                           <m:r>
-                            <a:rPr lang="en-US" sz="1000" i="1">
+                            <a:rPr lang="en-US" sz="900" i="1">
                               <a:latin typeface="Cambria Math"/>
                             </a:rPr>
                             <m:t>𝐴</m:t>
@@ -4639,7 +4669,7 @@
                         </m:e>
                       </m:d>
                       <m:r>
-                        <a:rPr lang="en-US" sz="1000" i="1">
+                        <a:rPr lang="en-US" sz="900" i="1">
                           <a:latin typeface="Cambria Math"/>
                         </a:rPr>
                         <m:t>= </m:t>
@@ -4647,14 +4677,14 @@
                       <m:sSub>
                         <m:sSubPr>
                           <m:ctrlPr>
-                            <a:rPr lang="en-US" sz="1000" i="1">
+                            <a:rPr lang="en-US" sz="900" i="1">
                               <a:latin typeface="Cambria Math"/>
                             </a:rPr>
                           </m:ctrlPr>
                         </m:sSubPr>
                         <m:e>
                           <m:r>
-                            <a:rPr lang="en-US" sz="1000" i="1">
+                            <a:rPr lang="en-US" sz="900" i="1">
                               <a:latin typeface="Cambria Math"/>
                             </a:rPr>
                             <m:t>𝑁</m:t>
@@ -4662,7 +4692,7 @@
                         </m:e>
                         <m:sub>
                           <m:r>
-                            <a:rPr lang="en-US" sz="1000" i="1">
+                            <a:rPr lang="en-US" sz="900" i="1">
                               <a:latin typeface="Cambria Math"/>
                             </a:rPr>
                             <m:t>𝑇</m:t>
@@ -4672,7 +4702,7 @@
                     </m:oMath>
                   </m:oMathPara>
                 </a14:m>
-                <a:endParaRPr lang="en-US" sz="1000" dirty="0"/>
+                <a:endParaRPr lang="en-US" sz="900" dirty="0"/>
               </a:p>
             </p:txBody>
           </p:sp>
@@ -4752,8 +4782,8 @@
           </a:fontRef>
         </p:style>
       </p:cxnSp>
-      <mc:AlternateContent xmlns:mc="http://schemas.openxmlformats.org/markup-compatibility/2006">
-        <mc:Choice xmlns:a14="http://schemas.microsoft.com/office/drawing/2010/main" Requires="a14">
+      <mc:AlternateContent xmlns:mc="http://schemas.openxmlformats.org/markup-compatibility/2006" xmlns:a14="http://schemas.microsoft.com/office/drawing/2010/main">
+        <mc:Choice Requires="a14">
           <p:sp>
             <p:nvSpPr>
               <p:cNvPr id="96" name="Rectangle 95"/>
@@ -4811,7 +4841,7 @@
             </p:txBody>
           </p:sp>
         </mc:Choice>
-        <mc:Fallback>
+        <mc:Fallback xmlns="">
           <p:sp>
             <p:nvSpPr>
               <p:cNvPr id="96" name="Rectangle 95"/>
@@ -4889,8 +4919,8 @@
           </a:fontRef>
         </p:style>
       </p:cxnSp>
-      <mc:AlternateContent xmlns:mc="http://schemas.openxmlformats.org/markup-compatibility/2006">
-        <mc:Choice xmlns:a14="http://schemas.microsoft.com/office/drawing/2010/main" Requires="a14">
+      <mc:AlternateContent xmlns:mc="http://schemas.openxmlformats.org/markup-compatibility/2006" xmlns:a14="http://schemas.microsoft.com/office/drawing/2010/main">
+        <mc:Choice Requires="a14">
           <p:sp>
             <p:nvSpPr>
               <p:cNvPr id="101" name="Flowchart: Decision 100"/>
@@ -4948,7 +4978,7 @@
             </p:txBody>
           </p:sp>
         </mc:Choice>
-        <mc:Fallback>
+        <mc:Fallback xmlns="">
           <p:sp>
             <p:nvSpPr>
               <p:cNvPr id="101" name="Flowchart: Decision 100"/>
@@ -5061,8 +5091,8 @@
           </a:fontRef>
         </p:style>
       </p:cxnSp>
-      <mc:AlternateContent xmlns:mc="http://schemas.openxmlformats.org/markup-compatibility/2006">
-        <mc:Choice xmlns:a14="http://schemas.microsoft.com/office/drawing/2010/main" Requires="a14">
+      <mc:AlternateContent xmlns:mc="http://schemas.openxmlformats.org/markup-compatibility/2006" xmlns:a14="http://schemas.microsoft.com/office/drawing/2010/main">
+        <mc:Choice Requires="a14">
           <p:sp>
             <p:nvSpPr>
               <p:cNvPr id="110" name="TextBox 109"/>
@@ -5109,7 +5139,7 @@
             </p:txBody>
           </p:sp>
         </mc:Choice>
-        <mc:Fallback>
+        <mc:Fallback xmlns="">
           <p:sp>
             <p:nvSpPr>
               <p:cNvPr id="110" name="TextBox 109"/>
@@ -5180,20 +5210,20 @@
               </a:fontRef>
             </p:style>
             <p:txBody>
-              <a:bodyPr lIns="91429" tIns="45714" rIns="91429" bIns="45714" spcCol="0" rtlCol="0" anchor="ctr"/>
+              <a:bodyPr lIns="91429" tIns="45714" rIns="91429" bIns="45714" spcCol="0" rtlCol="0" anchor="t"/>
               <a:lstStyle/>
               <a:p>
                 <a:pPr algn="ctr"/>
                 <a14:m>
                   <m:oMath xmlns:m="http://schemas.openxmlformats.org/officeDocument/2006/math">
                     <m:r>
-                      <a:rPr lang="en-US" sz="1000" b="1" i="1">
+                      <a:rPr lang="en-US" sz="900" b="1" i="1">
                         <a:latin typeface="Cambria Math"/>
                       </a:rPr>
                       <m:t>𝑮</m:t>
                     </m:r>
                     <m:r>
-                      <a:rPr lang="en-US" sz="1000" i="1">
+                      <a:rPr lang="en-US" sz="900" i="1">
                         <a:latin typeface="Cambria Math"/>
                       </a:rPr>
                       <m:t>=</m:t>
@@ -5203,14 +5233,14 @@
                         <m:begChr m:val="["/>
                         <m:endChr m:val=""/>
                         <m:ctrlPr>
-                          <a:rPr lang="en-US" sz="1000" i="1">
+                          <a:rPr lang="en-US" sz="900" i="1">
                             <a:latin typeface="Cambria Math"/>
                           </a:rPr>
                         </m:ctrlPr>
                       </m:dPr>
                       <m:e>
                         <m:r>
-                          <a:rPr lang="en-US" sz="1000" b="1" i="1">
+                          <a:rPr lang="en-US" sz="900" b="1" i="1">
                             <a:latin typeface="Cambria Math"/>
                           </a:rPr>
                           <m:t>𝑮</m:t>
@@ -5218,7 +5248,7 @@
                       </m:e>
                     </m:d>
                     <m:r>
-                      <a:rPr lang="en-US" sz="1000" i="1">
+                      <a:rPr lang="en-US" sz="900" i="1">
                         <a:latin typeface="Cambria Math"/>
                       </a:rPr>
                       <m:t>,</m:t>
@@ -5228,7 +5258,7 @@
                         <m:begChr m:val=""/>
                         <m:endChr m:val="]"/>
                         <m:ctrlPr>
-                          <a:rPr lang="en-US" sz="1000" i="1">
+                          <a:rPr lang="en-US" sz="900" i="1">
                             <a:latin typeface="Cambria Math"/>
                           </a:rPr>
                         </m:ctrlPr>
@@ -5237,14 +5267,14 @@
                         <m:sSub>
                           <m:sSubPr>
                             <m:ctrlPr>
-                              <a:rPr lang="en-US" sz="1000" i="1">
+                              <a:rPr lang="en-US" sz="900" i="1">
                                 <a:latin typeface="Cambria Math"/>
                               </a:rPr>
                             </m:ctrlPr>
                           </m:sSubPr>
                           <m:e>
                             <m:r>
-                              <a:rPr lang="en-US" sz="1000" b="1" i="1">
+                              <a:rPr lang="en-US" sz="900" b="1" i="1">
                                 <a:latin typeface="Cambria Math"/>
                               </a:rPr>
                               <m:t>𝒉</m:t>
@@ -5255,14 +5285,14 @@
                               <m:accPr>
                                 <m:chr m:val="̅"/>
                                 <m:ctrlPr>
-                                  <a:rPr lang="en-US" sz="1000" i="1">
+                                  <a:rPr lang="en-US" sz="900" i="1">
                                     <a:latin typeface="Cambria Math"/>
                                   </a:rPr>
                                 </m:ctrlPr>
                               </m:accPr>
                               <m:e>
                                 <m:r>
-                                  <a:rPr lang="en-US" sz="1000" b="1" i="1">
+                                  <a:rPr lang="en-US" sz="900" b="1" i="1">
                                     <a:latin typeface="Cambria Math"/>
                                   </a:rPr>
                                   <m:t>𝒖</m:t>
@@ -5276,7 +5306,7 @@
                   </m:oMath>
                 </a14:m>
                 <a:r>
-                  <a:rPr lang="en-US" sz="1000" b="1" dirty="0"/>
+                  <a:rPr lang="en-US" sz="900" b="1" dirty="0"/>
                   <a:t> </a:t>
                 </a:r>
               </a:p>
@@ -5354,7 +5384,7 @@
               </a:fontRef>
             </p:style>
             <p:txBody>
-              <a:bodyPr lIns="91429" tIns="45714" rIns="91429" bIns="45714" spcCol="0" rtlCol="0" anchor="ctr"/>
+              <a:bodyPr lIns="91429" tIns="45714" rIns="91429" bIns="45714" spcCol="0" rtlCol="0" anchor="t"/>
               <a:lstStyle/>
               <a:p>
                 <a:pPr algn="ctr"/>
@@ -5365,7 +5395,7 @@
                     </m:oMathParaPr>
                     <m:oMath xmlns:m="http://schemas.openxmlformats.org/officeDocument/2006/math">
                       <m:r>
-                        <a:rPr lang="en-US" sz="1000" b="1" i="1">
+                        <a:rPr lang="en-US" sz="900" b="1" i="1">
                           <a:latin typeface="Cambria Math"/>
                         </a:rPr>
                         <m:t>𝑵</m:t>
@@ -5373,14 +5403,14 @@
                       <m:d>
                         <m:dPr>
                           <m:ctrlPr>
-                            <a:rPr lang="en-US" sz="1000" b="1" i="1">
+                            <a:rPr lang="en-US" sz="900" b="1" i="1">
                               <a:latin typeface="Cambria Math"/>
                             </a:rPr>
                           </m:ctrlPr>
                         </m:dPr>
                         <m:e>
                           <m:r>
-                            <a:rPr lang="en-US" sz="1000" b="1" i="1">
+                            <a:rPr lang="en-US" sz="900" b="1" i="1">
                               <a:latin typeface="Cambria Math"/>
                             </a:rPr>
                             <m:t>𝑨</m:t>
@@ -5388,7 +5418,7 @@
                         </m:e>
                       </m:d>
                       <m:r>
-                        <a:rPr lang="en-US" sz="1000" i="1">
+                        <a:rPr lang="en-US" sz="900" i="1">
                           <a:latin typeface="Cambria Math"/>
                         </a:rPr>
                         <m:t>=</m:t>
@@ -5396,14 +5426,14 @@
                       <m:sSub>
                         <m:sSubPr>
                           <m:ctrlPr>
-                            <a:rPr lang="en-US" sz="1000" i="1">
+                            <a:rPr lang="en-US" sz="900" i="1">
                               <a:latin typeface="Cambria Math"/>
                             </a:rPr>
                           </m:ctrlPr>
                         </m:sSubPr>
                         <m:e>
                           <m:r>
-                            <a:rPr lang="en-US" sz="1000" b="1" i="1">
+                            <a:rPr lang="en-US" sz="900" b="1" i="1">
                               <a:latin typeface="Cambria Math"/>
                             </a:rPr>
                             <m:t>𝑰</m:t>
@@ -5413,14 +5443,14 @@
                           <m:sSub>
                             <m:sSubPr>
                               <m:ctrlPr>
-                                <a:rPr lang="en-US" sz="1000" i="1">
+                                <a:rPr lang="en-US" sz="900" i="1">
                                   <a:latin typeface="Cambria Math"/>
                                 </a:rPr>
                               </m:ctrlPr>
                             </m:sSubPr>
                             <m:e>
                               <m:r>
-                                <a:rPr lang="en-US" sz="1000" i="1">
+                                <a:rPr lang="en-US" sz="900" i="1">
                                   <a:latin typeface="Cambria Math"/>
                                 </a:rPr>
                                 <m:t>𝑁</m:t>
@@ -5428,7 +5458,7 @@
                             </m:e>
                             <m:sub>
                               <m:r>
-                                <a:rPr lang="en-US" sz="1000" i="1">
+                                <a:rPr lang="en-US" sz="900" i="1">
                                   <a:latin typeface="Cambria Math"/>
                                 </a:rPr>
                                 <m:t>𝑇</m:t>
@@ -5438,13 +5468,13 @@
                         </m:sub>
                       </m:sSub>
                       <m:r>
-                        <a:rPr lang="en-US" sz="1000" i="1">
+                        <a:rPr lang="en-US" sz="900" i="1">
                           <a:latin typeface="Cambria Math"/>
                         </a:rPr>
                         <m:t>−</m:t>
                       </m:r>
                       <m:r>
-                        <a:rPr lang="en-US" sz="1000" b="1" i="1">
+                        <a:rPr lang="en-US" sz="900" b="1" i="1">
                           <a:latin typeface="Cambria Math"/>
                         </a:rPr>
                         <m:t>𝑮</m:t>
@@ -5452,7 +5482,7 @@
                       <m:sSup>
                         <m:sSupPr>
                           <m:ctrlPr>
-                            <a:rPr lang="en-US" sz="1000" b="1" i="1">
+                            <a:rPr lang="en-US" sz="900" b="1" i="1">
                               <a:latin typeface="Cambria Math"/>
                             </a:rPr>
                           </m:ctrlPr>
@@ -5461,7 +5491,7 @@
                           <m:d>
                             <m:dPr>
                               <m:ctrlPr>
-                                <a:rPr lang="en-US" sz="1000" b="1" i="1">
+                                <a:rPr lang="en-US" sz="900" b="1" i="1">
                                   <a:latin typeface="Cambria Math"/>
                                 </a:rPr>
                               </m:ctrlPr>
@@ -5470,14 +5500,14 @@
                               <m:sSup>
                                 <m:sSupPr>
                                   <m:ctrlPr>
-                                    <a:rPr lang="en-US" sz="1000" b="1" i="1">
+                                    <a:rPr lang="en-US" sz="900" b="1" i="1">
                                       <a:latin typeface="Cambria Math"/>
                                     </a:rPr>
                                   </m:ctrlPr>
                                 </m:sSupPr>
                                 <m:e>
                                   <m:r>
-                                    <a:rPr lang="en-US" sz="1000" b="1" i="1">
+                                    <a:rPr lang="en-US" sz="900" b="1" i="1">
                                       <a:latin typeface="Cambria Math"/>
                                     </a:rPr>
                                     <m:t>𝑮</m:t>
@@ -5485,7 +5515,7 @@
                                 </m:e>
                                 <m:sup>
                                   <m:r>
-                                    <a:rPr lang="en-US" sz="1000" b="1">
+                                    <a:rPr lang="en-US" sz="900" b="1">
                                       <a:latin typeface="Cambria Math"/>
                                     </a:rPr>
                                     <m:t>𝐇</m:t>
@@ -5493,7 +5523,7 @@
                                 </m:sup>
                               </m:sSup>
                               <m:r>
-                                <a:rPr lang="en-US" sz="1000" b="1" i="1">
+                                <a:rPr lang="en-US" sz="900" b="1" i="1">
                                   <a:latin typeface="Cambria Math"/>
                                 </a:rPr>
                                 <m:t>𝑮</m:t>
@@ -5503,13 +5533,13 @@
                         </m:e>
                         <m:sup>
                           <m:r>
-                            <a:rPr lang="en-US" sz="1000" b="1" i="1">
+                            <a:rPr lang="en-US" sz="900" b="1" i="1">
                               <a:latin typeface="Cambria Math"/>
                             </a:rPr>
                             <m:t>−</m:t>
                           </m:r>
                           <m:r>
-                            <a:rPr lang="en-US" sz="1000" b="1" i="1">
+                            <a:rPr lang="en-US" sz="900" b="1" i="1">
                               <a:latin typeface="Cambria Math"/>
                             </a:rPr>
                             <m:t>𝟏</m:t>
@@ -5519,14 +5549,14 @@
                       <m:sSup>
                         <m:sSupPr>
                           <m:ctrlPr>
-                            <a:rPr lang="en-US" sz="1000" b="1" i="1">
+                            <a:rPr lang="en-US" sz="900" b="1" i="1">
                               <a:latin typeface="Cambria Math"/>
                             </a:rPr>
                           </m:ctrlPr>
                         </m:sSupPr>
                         <m:e>
                           <m:r>
-                            <a:rPr lang="en-US" sz="1000" b="1" i="1">
+                            <a:rPr lang="en-US" sz="900" b="1" i="1">
                               <a:latin typeface="Cambria Math"/>
                             </a:rPr>
                             <m:t>𝑮</m:t>
@@ -5534,7 +5564,7 @@
                         </m:e>
                         <m:sup>
                           <m:r>
-                            <a:rPr lang="en-US" sz="1000" b="1">
+                            <a:rPr lang="en-US" sz="900" b="1">
                               <a:latin typeface="Cambria Math"/>
                             </a:rPr>
                             <m:t>𝐇</m:t>
@@ -5544,7 +5574,7 @@
                     </m:oMath>
                   </m:oMathPara>
                 </a14:m>
-                <a:endParaRPr lang="en-US" sz="1000" b="1" dirty="0"/>
+                <a:endParaRPr lang="en-US" sz="900" b="1" dirty="0"/>
               </a:p>
             </p:txBody>
           </p:sp>
@@ -5620,7 +5650,7 @@
               </a:fontRef>
             </p:style>
             <p:txBody>
-              <a:bodyPr lIns="91429" tIns="45714" rIns="91429" bIns="45714" spcCol="0" rtlCol="0" anchor="ctr"/>
+              <a:bodyPr lIns="91429" tIns="45714" rIns="91429" bIns="45714" spcCol="0" rtlCol="0" anchor="t"/>
               <a:lstStyle/>
               <a:p>
                 <a:pPr algn="ctr"/>
@@ -5634,14 +5664,14 @@
                         <m:accPr>
                           <m:chr m:val="̅"/>
                           <m:ctrlPr>
-                            <a:rPr lang="en-US" sz="1000" i="1">
+                            <a:rPr lang="en-US" sz="900" i="1">
                               <a:latin typeface="Cambria Math"/>
                             </a:rPr>
                           </m:ctrlPr>
                         </m:accPr>
                         <m:e>
                           <m:r>
-                            <a:rPr lang="en-US" sz="1000" i="1">
+                            <a:rPr lang="en-US" sz="900" i="1">
                               <a:latin typeface="Cambria Math"/>
                             </a:rPr>
                             <m:t>𝑢</m:t>
@@ -5649,7 +5679,7 @@
                         </m:e>
                       </m:acc>
                       <m:r>
-                        <a:rPr lang="en-US" sz="1000" i="1">
+                        <a:rPr lang="en-US" sz="900" i="1">
                           <a:latin typeface="Cambria Math"/>
                         </a:rPr>
                         <m:t>= </m:t>
@@ -5657,7 +5687,7 @@
                       <m:func>
                         <m:funcPr>
                           <m:ctrlPr>
-                            <a:rPr lang="en-US" sz="1000" i="1">
+                            <a:rPr lang="en-US" sz="900" i="1">
                               <a:latin typeface="Cambria Math"/>
                             </a:rPr>
                           </m:ctrlPr>
@@ -5666,7 +5696,7 @@
                           <m:limLow>
                             <m:limLowPr>
                               <m:ctrlPr>
-                                <a:rPr lang="en-US" sz="1000" i="1">
+                                <a:rPr lang="en-US" sz="900" i="1">
                                   <a:latin typeface="Cambria Math"/>
                                 </a:rPr>
                               </m:ctrlPr>
@@ -5676,7 +5706,7 @@
                                 <m:rPr>
                                   <m:sty m:val="p"/>
                                 </m:rPr>
-                                <a:rPr lang="en-US" sz="1000">
+                                <a:rPr lang="en-US" sz="900">
                                   <a:latin typeface="Cambria Math"/>
                                 </a:rPr>
                                 <m:t>max</m:t>
@@ -5684,27 +5714,27 @@
                             </m:e>
                             <m:lim>
                               <m:r>
-                                <a:rPr lang="en-US" sz="1000" i="1">
+                                <a:rPr lang="en-US" sz="900" i="1">
                                   <a:latin typeface="Cambria Math"/>
                                 </a:rPr>
                                 <m:t>𝑖</m:t>
                               </m:r>
                               <m:r>
-                                <a:rPr lang="en-US" sz="1000" i="1">
+                                <a:rPr lang="en-US" sz="900" i="1">
                                   <a:latin typeface="Cambria Math"/>
                                   <a:ea typeface="Cambria Math"/>
                                 </a:rPr>
                                 <m:t>∈</m:t>
                               </m:r>
                               <m:r>
-                                <a:rPr lang="en-US" sz="1000" i="1">
+                                <a:rPr lang="en-US" sz="900" i="1">
                                   <a:latin typeface="Cambria Math"/>
                                   <a:ea typeface="Cambria Math"/>
                                 </a:rPr>
                                 <m:t>𝑈</m:t>
                               </m:r>
                               <m:r>
-                                <a:rPr lang="en-US" sz="1000" i="1">
+                                <a:rPr lang="en-US" sz="900" i="1">
                                   <a:latin typeface="Cambria Math"/>
                                   <a:ea typeface="Cambria Math"/>
                                 </a:rPr>
@@ -5714,7 +5744,7 @@
                                 <m:rPr>
                                   <m:sty m:val="p"/>
                                 </m:rPr>
-                                <a:rPr lang="en-US" sz="1000" i="1">
+                                <a:rPr lang="en-US" sz="900" i="1">
                                   <a:latin typeface="Cambria Math"/>
                                   <a:ea typeface="Cambria Math"/>
                                 </a:rPr>
@@ -5729,14 +5759,14 @@
                               <m:begChr m:val="‖"/>
                               <m:endChr m:val="‖"/>
                               <m:ctrlPr>
-                                <a:rPr lang="en-US" sz="1000" i="1">
+                                <a:rPr lang="en-US" sz="900" i="1">
                                   <a:latin typeface="Cambria Math"/>
                                 </a:rPr>
                               </m:ctrlPr>
                             </m:dPr>
                             <m:e>
                               <m:r>
-                                <a:rPr lang="en-US" sz="1000" b="1" i="1">
+                                <a:rPr lang="en-US" sz="900" b="1" i="1">
                                   <a:latin typeface="Cambria Math"/>
                                 </a:rPr>
                                 <m:t>𝑵</m:t>
@@ -5744,14 +5774,14 @@
                               <m:d>
                                 <m:dPr>
                                   <m:ctrlPr>
-                                    <a:rPr lang="en-US" sz="1000" i="1">
+                                    <a:rPr lang="en-US" sz="900" i="1">
                                       <a:latin typeface="Cambria Math"/>
                                     </a:rPr>
                                   </m:ctrlPr>
                                 </m:dPr>
                                 <m:e>
                                   <m:r>
-                                    <a:rPr lang="en-US" sz="1000" i="1">
+                                    <a:rPr lang="en-US" sz="900" i="1">
                                       <a:latin typeface="Cambria Math"/>
                                     </a:rPr>
                                     <m:t>𝐴</m:t>
@@ -5761,14 +5791,14 @@
                               <m:sSub>
                                 <m:sSubPr>
                                   <m:ctrlPr>
-                                    <a:rPr lang="en-US" sz="1000" i="1">
+                                    <a:rPr lang="en-US" sz="900" i="1">
                                       <a:latin typeface="Cambria Math"/>
                                     </a:rPr>
                                   </m:ctrlPr>
                                 </m:sSubPr>
                                 <m:e>
                                   <m:r>
-                                    <a:rPr lang="en-US" sz="1000" b="1" i="1">
+                                    <a:rPr lang="en-US" sz="900" b="1" i="1">
                                       <a:latin typeface="Cambria Math"/>
                                     </a:rPr>
                                     <m:t>𝒉</m:t>
@@ -5776,7 +5806,7 @@
                                 </m:e>
                                 <m:sub>
                                   <m:r>
-                                    <a:rPr lang="en-US" sz="1000" i="1">
+                                    <a:rPr lang="en-US" sz="900" i="1">
                                       <a:latin typeface="Cambria Math"/>
                                     </a:rPr>
                                     <m:t>𝑖</m:t>
@@ -5790,7 +5820,7 @@
                     </m:oMath>
                   </m:oMathPara>
                 </a14:m>
-                <a:endParaRPr lang="en-US" sz="1000" dirty="0"/>
+                <a:endParaRPr lang="en-US" sz="900" dirty="0"/>
               </a:p>
             </p:txBody>
           </p:sp>
@@ -5845,8 +5875,8 @@
         </p:nvCxnSpPr>
         <p:spPr>
           <a:xfrm rot="16200000" flipH="1">
-            <a:off x="3788659" y="2979511"/>
-            <a:ext cx="577720" cy="3067393"/>
+            <a:off x="3788660" y="2979510"/>
+            <a:ext cx="577719" cy="3067393"/>
           </a:xfrm>
           <a:prstGeom prst="bentConnector3">
             <a:avLst>
@@ -5882,8 +5912,8 @@
         </p:nvCxnSpPr>
         <p:spPr>
           <a:xfrm>
-            <a:off x="5611218" y="5159731"/>
-            <a:ext cx="1" cy="251935"/>
+            <a:off x="5611216" y="5159730"/>
+            <a:ext cx="3" cy="251936"/>
           </a:xfrm>
           <a:prstGeom prst="straightConnector1">
             <a:avLst/>
@@ -5981,8 +6011,8 @@
           </a:fontRef>
         </p:style>
       </p:cxnSp>
-      <mc:AlternateContent xmlns:mc="http://schemas.openxmlformats.org/markup-compatibility/2006">
-        <mc:Choice xmlns:a14="http://schemas.microsoft.com/office/drawing/2010/main" Requires="a14">
+      <mc:AlternateContent xmlns:mc="http://schemas.openxmlformats.org/markup-compatibility/2006" xmlns:a14="http://schemas.microsoft.com/office/drawing/2010/main">
+        <mc:Choice Requires="a14">
           <p:sp>
             <p:nvSpPr>
               <p:cNvPr id="162" name="TextBox 161"/>
@@ -6029,7 +6059,7 @@
             </p:txBody>
           </p:sp>
         </mc:Choice>
-        <mc:Fallback>
+        <mc:Fallback xmlns="">
           <p:sp>
             <p:nvSpPr>
               <p:cNvPr id="162" name="TextBox 161"/>
@@ -6079,7 +6109,7 @@
             <p:spPr>
               <a:xfrm>
                 <a:off x="320678" y="5522611"/>
-                <a:ext cx="1094186" cy="483633"/>
+                <a:ext cx="1094186" cy="460554"/>
               </a:xfrm>
               <a:prstGeom prst="rect">
                 <a:avLst/>
@@ -6111,13 +6141,13 @@
                     </m:oMathParaPr>
                     <m:oMath xmlns:m="http://schemas.openxmlformats.org/officeDocument/2006/math">
                       <m:r>
-                        <a:rPr lang="en-US" sz="1000" b="1" i="1">
+                        <a:rPr lang="en-US" sz="900" b="1" i="1">
                           <a:latin typeface="Cambria Math"/>
                         </a:rPr>
                         <m:t>𝑮</m:t>
                       </m:r>
                       <m:r>
-                        <a:rPr lang="en-US" sz="1000" i="1">
+                        <a:rPr lang="en-US" sz="900" i="1">
                           <a:latin typeface="Cambria Math"/>
                         </a:rPr>
                         <m:t>=</m:t>
@@ -6127,20 +6157,20 @@
                           <m:begChr m:val="["/>
                           <m:endChr m:val="]"/>
                           <m:ctrlPr>
-                            <a:rPr lang="en-US" sz="1000" i="1">
+                            <a:rPr lang="en-US" sz="900" i="1">
                               <a:latin typeface="Cambria Math"/>
                             </a:rPr>
                           </m:ctrlPr>
                         </m:dPr>
                         <m:e>
                           <m:r>
-                            <a:rPr lang="en-US" sz="1000" b="1" i="1">
+                            <a:rPr lang="en-US" sz="900" b="1" i="1">
                               <a:latin typeface="Cambria Math"/>
                             </a:rPr>
                             <m:t>𝑮</m:t>
                           </m:r>
                           <m:r>
-                            <a:rPr lang="en-US" sz="1000" i="1">
+                            <a:rPr lang="en-US" sz="900" i="1">
                               <a:latin typeface="Cambria Math"/>
                             </a:rPr>
                             <m:t>, </m:t>
@@ -6148,7 +6178,7 @@
                           <m:f>
                             <m:fPr>
                               <m:ctrlPr>
-                                <a:rPr lang="en-US" sz="1000" i="1">
+                                <a:rPr lang="en-US" sz="900" i="1">
                                   <a:latin typeface="Cambria Math"/>
                                 </a:rPr>
                               </m:ctrlPr>
@@ -6157,14 +6187,14 @@
                               <m:sSub>
                                 <m:sSubPr>
                                   <m:ctrlPr>
-                                    <a:rPr lang="en-US" sz="1000" i="1">
+                                    <a:rPr lang="en-US" sz="900" i="1">
                                       <a:latin typeface="Cambria Math"/>
                                     </a:rPr>
                                   </m:ctrlPr>
                                 </m:sSubPr>
                                 <m:e>
                                   <m:r>
-                                    <a:rPr lang="en-US" sz="1000" b="1" i="1">
+                                    <a:rPr lang="en-US" sz="900" b="1" i="1">
                                       <a:latin typeface="Cambria Math"/>
                                     </a:rPr>
                                     <m:t>𝒉</m:t>
@@ -6175,14 +6205,14 @@
                                     <m:accPr>
                                       <m:chr m:val="̅"/>
                                       <m:ctrlPr>
-                                        <a:rPr lang="en-US" sz="1000" i="1">
+                                        <a:rPr lang="en-US" sz="900" i="1">
                                           <a:latin typeface="Cambria Math"/>
                                         </a:rPr>
                                       </m:ctrlPr>
                                     </m:accPr>
                                     <m:e>
                                       <m:r>
-                                        <a:rPr lang="en-US" sz="1000" b="1" i="1">
+                                        <a:rPr lang="en-US" sz="900" b="1" i="1">
                                           <a:latin typeface="Cambria Math"/>
                                         </a:rPr>
                                         <m:t>𝒖</m:t>
@@ -6198,7 +6228,7 @@
                                   <m:begChr m:val="‖"/>
                                   <m:endChr m:val="‖"/>
                                   <m:ctrlPr>
-                                    <a:rPr lang="en-US" sz="1000" i="1">
+                                    <a:rPr lang="en-US" sz="900" i="1">
                                       <a:latin typeface="Cambria Math"/>
                                     </a:rPr>
                                   </m:ctrlPr>
@@ -6207,14 +6237,14 @@
                                   <m:sSub>
                                     <m:sSubPr>
                                       <m:ctrlPr>
-                                        <a:rPr lang="en-US" sz="1000" i="1">
+                                        <a:rPr lang="en-US" sz="900" i="1">
                                           <a:latin typeface="Cambria Math"/>
                                         </a:rPr>
                                       </m:ctrlPr>
                                     </m:sSubPr>
                                     <m:e>
                                       <m:r>
-                                        <a:rPr lang="en-US" sz="1000" b="1" i="1">
+                                        <a:rPr lang="en-US" sz="900" b="1" i="1">
                                           <a:latin typeface="Cambria Math"/>
                                         </a:rPr>
                                         <m:t>𝒉</m:t>
@@ -6225,14 +6255,14 @@
                                         <m:accPr>
                                           <m:chr m:val="̅"/>
                                           <m:ctrlPr>
-                                            <a:rPr lang="en-US" sz="1000" i="1">
+                                            <a:rPr lang="en-US" sz="900" i="1">
                                               <a:latin typeface="Cambria Math"/>
                                             </a:rPr>
                                           </m:ctrlPr>
                                         </m:accPr>
                                         <m:e>
                                           <m:r>
-                                            <a:rPr lang="en-US" sz="1000" b="1" i="1">
+                                            <a:rPr lang="en-US" sz="900" b="1" i="1">
                                               <a:latin typeface="Cambria Math"/>
                                             </a:rPr>
                                             <m:t>𝒖</m:t>
@@ -6250,7 +6280,7 @@
                     </m:oMath>
                   </m:oMathPara>
                 </a14:m>
-                <a:endParaRPr lang="en-US" sz="1200" b="1" dirty="0"/>
+                <a:endParaRPr lang="en-US" sz="1100" b="1" dirty="0"/>
               </a:p>
             </p:txBody>
           </p:sp>
@@ -6267,7 +6297,7 @@
             <p:spPr>
               <a:xfrm>
                 <a:off x="320678" y="5522611"/>
-                <a:ext cx="1094186" cy="483633"/>
+                <a:ext cx="1094186" cy="460554"/>
               </a:xfrm>
               <a:prstGeom prst="rect">
                 <a:avLst/>
@@ -6326,7 +6356,7 @@
               </a:fontRef>
             </p:style>
             <p:txBody>
-              <a:bodyPr lIns="91429" tIns="45714" rIns="91429" bIns="45714" spcCol="0" rtlCol="0" anchor="ctr"/>
+              <a:bodyPr lIns="91429" tIns="45714" rIns="91429" bIns="45714" spcCol="0" rtlCol="0" anchor="t"/>
               <a:lstStyle/>
               <a:p>
                 <a:pPr algn="ctr"/>
@@ -6337,7 +6367,7 @@
                     </m:oMathParaPr>
                     <m:oMath xmlns:m="http://schemas.openxmlformats.org/officeDocument/2006/math">
                       <m:r>
-                        <a:rPr lang="en-US" sz="1000" b="1" i="1">
+                        <a:rPr lang="en-US" sz="900" b="1" i="1">
                           <a:latin typeface="Cambria Math"/>
                         </a:rPr>
                         <m:t>𝑵</m:t>
@@ -6345,14 +6375,14 @@
                       <m:d>
                         <m:dPr>
                           <m:ctrlPr>
-                            <a:rPr lang="en-US" sz="1000" b="1" i="1">
+                            <a:rPr lang="en-US" sz="900" b="1" i="1">
                               <a:latin typeface="Cambria Math"/>
                             </a:rPr>
                           </m:ctrlPr>
                         </m:dPr>
                         <m:e>
                           <m:r>
-                            <a:rPr lang="en-US" sz="1000" b="1" i="1">
+                            <a:rPr lang="en-US" sz="900" b="1" i="1">
                               <a:latin typeface="Cambria Math"/>
                             </a:rPr>
                             <m:t>𝑨</m:t>
@@ -6360,7 +6390,7 @@
                         </m:e>
                       </m:d>
                       <m:r>
-                        <a:rPr lang="en-US" sz="1000" i="1">
+                        <a:rPr lang="en-US" sz="900" i="1">
                           <a:latin typeface="Cambria Math"/>
                         </a:rPr>
                         <m:t>=</m:t>
@@ -6368,14 +6398,14 @@
                       <m:sSub>
                         <m:sSubPr>
                           <m:ctrlPr>
-                            <a:rPr lang="en-US" sz="1000" i="1">
+                            <a:rPr lang="en-US" sz="900" i="1">
                               <a:latin typeface="Cambria Math"/>
                             </a:rPr>
                           </m:ctrlPr>
                         </m:sSubPr>
                         <m:e>
                           <m:r>
-                            <a:rPr lang="en-US" sz="1000" b="1" i="1">
+                            <a:rPr lang="en-US" sz="900" b="1" i="1">
                               <a:latin typeface="Cambria Math"/>
                             </a:rPr>
                             <m:t>𝑰</m:t>
@@ -6385,14 +6415,14 @@
                           <m:sSub>
                             <m:sSubPr>
                               <m:ctrlPr>
-                                <a:rPr lang="en-US" sz="1000" i="1">
+                                <a:rPr lang="en-US" sz="900" i="1">
                                   <a:latin typeface="Cambria Math"/>
                                 </a:rPr>
                               </m:ctrlPr>
                             </m:sSubPr>
                             <m:e>
                               <m:r>
-                                <a:rPr lang="en-US" sz="1000" i="1">
+                                <a:rPr lang="en-US" sz="900" i="1">
                                   <a:latin typeface="Cambria Math"/>
                                 </a:rPr>
                                 <m:t>𝑁</m:t>
@@ -6400,7 +6430,7 @@
                             </m:e>
                             <m:sub>
                               <m:r>
-                                <a:rPr lang="en-US" sz="1000" i="1">
+                                <a:rPr lang="en-US" sz="900" i="1">
                                   <a:latin typeface="Cambria Math"/>
                                 </a:rPr>
                                 <m:t>𝑇</m:t>
@@ -6410,13 +6440,13 @@
                         </m:sub>
                       </m:sSub>
                       <m:r>
-                        <a:rPr lang="en-US" sz="1000" i="1">
+                        <a:rPr lang="en-US" sz="900" i="1">
                           <a:latin typeface="Cambria Math"/>
                         </a:rPr>
                         <m:t>−</m:t>
                       </m:r>
                       <m:r>
-                        <a:rPr lang="en-US" sz="1000" b="1" i="1">
+                        <a:rPr lang="en-US" sz="900" b="1" i="1">
                           <a:latin typeface="Cambria Math"/>
                         </a:rPr>
                         <m:t>𝑮</m:t>
@@ -6424,7 +6454,7 @@
                       <m:sSup>
                         <m:sSupPr>
                           <m:ctrlPr>
-                            <a:rPr lang="en-US" sz="1000" b="1" i="1">
+                            <a:rPr lang="en-US" sz="900" b="1" i="1">
                               <a:latin typeface="Cambria Math"/>
                             </a:rPr>
                           </m:ctrlPr>
@@ -6433,7 +6463,7 @@
                           <m:d>
                             <m:dPr>
                               <m:ctrlPr>
-                                <a:rPr lang="en-US" sz="1000" b="1" i="1">
+                                <a:rPr lang="en-US" sz="900" b="1" i="1">
                                   <a:latin typeface="Cambria Math"/>
                                 </a:rPr>
                               </m:ctrlPr>
@@ -6442,14 +6472,14 @@
                               <m:sSup>
                                 <m:sSupPr>
                                   <m:ctrlPr>
-                                    <a:rPr lang="en-US" sz="1000" b="1" i="1">
+                                    <a:rPr lang="en-US" sz="900" b="1" i="1">
                                       <a:latin typeface="Cambria Math"/>
                                     </a:rPr>
                                   </m:ctrlPr>
                                 </m:sSupPr>
                                 <m:e>
                                   <m:r>
-                                    <a:rPr lang="en-US" sz="1000" b="1" i="1">
+                                    <a:rPr lang="en-US" sz="900" b="1" i="1">
                                       <a:latin typeface="Cambria Math"/>
                                     </a:rPr>
                                     <m:t>𝑮</m:t>
@@ -6457,7 +6487,7 @@
                                 </m:e>
                                 <m:sup>
                                   <m:r>
-                                    <a:rPr lang="en-US" sz="1000" b="1">
+                                    <a:rPr lang="en-US" sz="900" b="1">
                                       <a:latin typeface="Cambria Math"/>
                                     </a:rPr>
                                     <m:t>𝐇</m:t>
@@ -6465,7 +6495,7 @@
                                 </m:sup>
                               </m:sSup>
                               <m:r>
-                                <a:rPr lang="en-US" sz="1000" b="1" i="1">
+                                <a:rPr lang="en-US" sz="900" b="1" i="1">
                                   <a:latin typeface="Cambria Math"/>
                                 </a:rPr>
                                 <m:t>𝑮</m:t>
@@ -6475,13 +6505,13 @@
                         </m:e>
                         <m:sup>
                           <m:r>
-                            <a:rPr lang="en-US" sz="1000" b="1" i="1">
+                            <a:rPr lang="en-US" sz="900" b="1" i="1">
                               <a:latin typeface="Cambria Math"/>
                             </a:rPr>
                             <m:t>−</m:t>
                           </m:r>
                           <m:r>
-                            <a:rPr lang="en-US" sz="1000" b="1" i="1">
+                            <a:rPr lang="en-US" sz="900" b="1" i="1">
                               <a:latin typeface="Cambria Math"/>
                             </a:rPr>
                             <m:t>𝟏</m:t>
@@ -6491,14 +6521,14 @@
                       <m:sSup>
                         <m:sSupPr>
                           <m:ctrlPr>
-                            <a:rPr lang="en-US" sz="1000" b="1" i="1">
+                            <a:rPr lang="en-US" sz="900" b="1" i="1">
                               <a:latin typeface="Cambria Math"/>
                             </a:rPr>
                           </m:ctrlPr>
                         </m:sSupPr>
                         <m:e>
                           <m:r>
-                            <a:rPr lang="en-US" sz="1000" b="1" i="1">
+                            <a:rPr lang="en-US" sz="900" b="1" i="1">
                               <a:latin typeface="Cambria Math"/>
                             </a:rPr>
                             <m:t>𝑮</m:t>
@@ -6506,7 +6536,7 @@
                         </m:e>
                         <m:sup>
                           <m:r>
-                            <a:rPr lang="en-US" sz="1000" b="1">
+                            <a:rPr lang="en-US" sz="900" b="1">
                               <a:latin typeface="Cambria Math"/>
                             </a:rPr>
                             <m:t>𝐇</m:t>
@@ -6516,7 +6546,7 @@
                     </m:oMath>
                   </m:oMathPara>
                 </a14:m>
-                <a:endParaRPr lang="en-US" sz="1000" b="1" dirty="0"/>
+                <a:endParaRPr lang="en-US" sz="900" b="1" dirty="0"/>
               </a:p>
             </p:txBody>
           </p:sp>
@@ -6571,7 +6601,7 @@
             <p:spPr>
               <a:xfrm>
                 <a:off x="1905002" y="5095268"/>
-                <a:ext cx="1886547" cy="685802"/>
+                <a:ext cx="1886547" cy="618519"/>
               </a:xfrm>
               <a:prstGeom prst="rect">
                 <a:avLst/>
@@ -6592,7 +6622,7 @@
               </a:fontRef>
             </p:style>
             <p:txBody>
-              <a:bodyPr lIns="91429" tIns="45714" rIns="91429" bIns="45714" spcCol="0" rtlCol="0" anchor="ctr"/>
+              <a:bodyPr lIns="91429" tIns="45714" rIns="91429" bIns="45714" spcCol="0" rtlCol="0" anchor="t"/>
               <a:lstStyle/>
               <a:p>
                 <a:pPr algn="ctr"/>
@@ -6605,14 +6635,14 @@
                       <m:sSub>
                         <m:sSubPr>
                           <m:ctrlPr>
-                            <a:rPr lang="en-US" sz="1000" i="1" smtClean="0">
+                            <a:rPr lang="en-US" sz="900" i="1" smtClean="0">
                               <a:latin typeface="Cambria Math"/>
                             </a:rPr>
                           </m:ctrlPr>
                         </m:sSubPr>
                         <m:e>
                           <m:r>
-                            <a:rPr lang="en-US" sz="1000" i="1">
+                            <a:rPr lang="en-US" sz="900" i="1">
                               <a:latin typeface="Cambria Math"/>
                             </a:rPr>
                             <m:t>𝑝</m:t>
@@ -6620,7 +6650,7 @@
                         </m:e>
                         <m:sub>
                           <m:r>
-                            <a:rPr lang="en-US" sz="1000" i="1">
+                            <a:rPr lang="en-US" sz="900" i="1">
                               <a:latin typeface="Cambria Math"/>
                             </a:rPr>
                             <m:t>𝑖</m:t>
@@ -6628,7 +6658,7 @@
                         </m:sub>
                       </m:sSub>
                       <m:r>
-                        <a:rPr lang="en-US" sz="1000" i="1">
+                        <a:rPr lang="en-US" sz="900" i="1">
                           <a:latin typeface="Cambria Math"/>
                         </a:rPr>
                         <m:t>=</m:t>
@@ -6637,7 +6667,7 @@
                         <m:naryPr>
                           <m:chr m:val="∏"/>
                           <m:ctrlPr>
-                            <a:rPr lang="en-US" sz="1000" i="1">
+                            <a:rPr lang="en-US" sz="900" i="1">
                               <a:latin typeface="Cambria Math"/>
                             </a:rPr>
                           </m:ctrlPr>
@@ -6647,13 +6677,13 @@
                             <m:rPr>
                               <m:brk m:alnAt="23"/>
                             </m:rPr>
-                            <a:rPr lang="en-US" sz="1000" i="1">
+                            <a:rPr lang="en-US" sz="900" i="1">
                               <a:latin typeface="Cambria Math"/>
                             </a:rPr>
                             <m:t>𝑖</m:t>
                           </m:r>
                           <m:r>
-                            <a:rPr lang="en-US" sz="1000" i="1">
+                            <a:rPr lang="en-US" sz="900" i="1">
                               <a:latin typeface="Cambria Math"/>
                             </a:rPr>
                             <m:t>=0</m:t>
@@ -6661,13 +6691,13 @@
                         </m:sub>
                         <m:sup>
                           <m:r>
-                            <a:rPr lang="en-US" sz="1000" i="1" smtClean="0">
+                            <a:rPr lang="en-US" sz="900" i="1" smtClean="0">
                               <a:latin typeface="Cambria Math"/>
                             </a:rPr>
                             <m:t>𝑛</m:t>
                           </m:r>
                           <m:r>
-                            <a:rPr lang="en-US" sz="1000" i="1">
+                            <a:rPr lang="en-US" sz="900" i="1">
                               <a:latin typeface="Cambria Math"/>
                             </a:rPr>
                             <m:t>−1</m:t>
@@ -6677,7 +6707,7 @@
                           <m:d>
                             <m:dPr>
                               <m:ctrlPr>
-                                <a:rPr lang="en-US" sz="1000" i="1">
+                                <a:rPr lang="en-US" sz="900" i="1">
                                   <a:latin typeface="Cambria Math"/>
                                 </a:rPr>
                               </m:ctrlPr>
@@ -6688,7 +6718,7 @@
                                   <m:begChr m:val="‖"/>
                                   <m:endChr m:val="‖"/>
                                   <m:ctrlPr>
-                                    <a:rPr lang="en-US" sz="1000" i="1">
+                                    <a:rPr lang="en-US" sz="900" i="1">
                                       <a:latin typeface="Cambria Math"/>
                                     </a:rPr>
                                   </m:ctrlPr>
@@ -6697,14 +6727,14 @@
                                   <m:sSub>
                                     <m:sSubPr>
                                       <m:ctrlPr>
-                                        <a:rPr lang="en-US" sz="1000" i="1">
+                                        <a:rPr lang="en-US" sz="900" i="1">
                                           <a:latin typeface="Cambria Math"/>
                                         </a:rPr>
                                       </m:ctrlPr>
                                     </m:sSubPr>
                                     <m:e>
                                       <m:r>
-                                        <a:rPr lang="en-US" sz="1000" b="1" i="1">
+                                        <a:rPr lang="en-US" sz="900" b="1" i="1">
                                           <a:latin typeface="Cambria Math"/>
                                         </a:rPr>
                                         <m:t>𝒉</m:t>
@@ -6712,7 +6742,7 @@
                                     </m:e>
                                     <m:sub>
                                       <m:r>
-                                        <a:rPr lang="en-US" sz="1000" i="1">
+                                        <a:rPr lang="en-US" sz="900" i="1">
                                           <a:latin typeface="Cambria Math"/>
                                         </a:rPr>
                                         <m:t>𝑖</m:t>
@@ -6722,7 +6752,7 @@
                                 </m:e>
                               </m:d>
                               <m:r>
-                                <a:rPr lang="en-US" sz="1000" i="1">
+                                <a:rPr lang="en-US" sz="900" i="1">
                                   <a:latin typeface="Cambria Math"/>
                                 </a:rPr>
                                 <m:t> − </m:t>
@@ -6732,7 +6762,7 @@
                                   <m:begChr m:val="|"/>
                                   <m:endChr m:val="|"/>
                                   <m:ctrlPr>
-                                    <a:rPr lang="en-US" sz="1000" i="1">
+                                    <a:rPr lang="en-US" sz="900" i="1">
                                       <a:latin typeface="Cambria Math"/>
                                     </a:rPr>
                                   </m:ctrlPr>
@@ -6741,14 +6771,14 @@
                                   <m:sSup>
                                     <m:sSupPr>
                                       <m:ctrlPr>
-                                        <a:rPr lang="en-US" sz="1000" i="1">
+                                        <a:rPr lang="en-US" sz="900" i="1">
                                           <a:latin typeface="Cambria Math"/>
                                         </a:rPr>
                                       </m:ctrlPr>
                                     </m:sSupPr>
                                     <m:e>
                                       <m:r>
-                                        <a:rPr lang="en-US" sz="1000" b="1" i="1">
+                                        <a:rPr lang="en-US" sz="900" b="1" i="1">
                                           <a:latin typeface="Cambria Math"/>
                                         </a:rPr>
                                         <m:t>𝑮</m:t>
@@ -6756,20 +6786,20 @@
                                       <m:d>
                                         <m:dPr>
                                           <m:ctrlPr>
-                                            <a:rPr lang="en-US" sz="1000" i="1">
+                                            <a:rPr lang="en-US" sz="900" i="1">
                                               <a:latin typeface="Cambria Math"/>
                                             </a:rPr>
                                           </m:ctrlPr>
                                         </m:dPr>
                                         <m:e>
                                           <m:r>
-                                            <a:rPr lang="en-US" sz="1000" i="1">
+                                            <a:rPr lang="en-US" sz="900" i="1">
                                               <a:latin typeface="Cambria Math"/>
                                             </a:rPr>
                                             <m:t>:,</m:t>
                                           </m:r>
                                           <m:r>
-                                            <a:rPr lang="en-US" sz="1000" i="1">
+                                            <a:rPr lang="en-US" sz="900" i="1">
                                               <a:latin typeface="Cambria Math"/>
                                             </a:rPr>
                                             <m:t>𝑖</m:t>
@@ -6782,7 +6812,7 @@
                                         <m:rPr>
                                           <m:sty m:val="p"/>
                                         </m:rPr>
-                                        <a:rPr lang="en-US" sz="1000">
+                                        <a:rPr lang="en-US" sz="900">
                                           <a:latin typeface="Cambria Math"/>
                                         </a:rPr>
                                         <m:t>H</m:t>
@@ -6792,14 +6822,14 @@
                                   <m:sSub>
                                     <m:sSubPr>
                                       <m:ctrlPr>
-                                        <a:rPr lang="en-US" sz="1000" i="1">
+                                        <a:rPr lang="en-US" sz="900" i="1">
                                           <a:latin typeface="Cambria Math"/>
                                         </a:rPr>
                                       </m:ctrlPr>
                                     </m:sSubPr>
                                     <m:e>
                                       <m:r>
-                                        <a:rPr lang="en-US" sz="1000" b="1" i="1">
+                                        <a:rPr lang="en-US" sz="900" b="1" i="1">
                                           <a:latin typeface="Cambria Math"/>
                                         </a:rPr>
                                         <m:t>𝒉</m:t>
@@ -6807,7 +6837,7 @@
                                     </m:e>
                                     <m:sub>
                                       <m:r>
-                                        <a:rPr lang="en-US" sz="1000" i="1">
+                                        <a:rPr lang="en-US" sz="900" i="1">
                                           <a:latin typeface="Cambria Math"/>
                                         </a:rPr>
                                         <m:t>𝑖</m:t>
@@ -6823,7 +6853,7 @@
                     </m:oMath>
                   </m:oMathPara>
                 </a14:m>
-                <a:endParaRPr lang="en-US" sz="1000" b="1" dirty="0"/>
+                <a:endParaRPr lang="en-US" sz="900" b="1" dirty="0"/>
               </a:p>
             </p:txBody>
           </p:sp>
@@ -6840,7 +6870,7 @@
             <p:spPr>
               <a:xfrm>
                 <a:off x="1905002" y="5095268"/>
-                <a:ext cx="1886547" cy="685802"/>
+                <a:ext cx="1886547" cy="618519"/>
               </a:xfrm>
               <a:prstGeom prst="rect">
                 <a:avLst/>
@@ -6877,8 +6907,8 @@
             </p:nvSpPr>
             <p:spPr>
               <a:xfrm>
-                <a:off x="1414871" y="6175934"/>
-                <a:ext cx="1135263" cy="476121"/>
+                <a:off x="1414871" y="6175935"/>
+                <a:ext cx="1135263" cy="397654"/>
               </a:xfrm>
               <a:prstGeom prst="rect">
                 <a:avLst/>
@@ -6913,14 +6943,14 @@
                         <m:accPr>
                           <m:chr m:val="̅"/>
                           <m:ctrlPr>
-                            <a:rPr lang="en-US" sz="1000" i="1">
+                            <a:rPr lang="en-US" sz="900" i="1">
                               <a:latin typeface="Cambria Math"/>
                             </a:rPr>
                           </m:ctrlPr>
                         </m:accPr>
                         <m:e>
                           <m:r>
-                            <a:rPr lang="en-US" sz="1000" i="1">
+                            <a:rPr lang="en-US" sz="900" i="1">
                               <a:latin typeface="Cambria Math"/>
                             </a:rPr>
                             <m:t>𝑢</m:t>
@@ -6928,7 +6958,7 @@
                         </m:e>
                       </m:acc>
                       <m:r>
-                        <a:rPr lang="en-US" sz="1000" i="1">
+                        <a:rPr lang="en-US" sz="900" i="1">
                           <a:latin typeface="Cambria Math"/>
                         </a:rPr>
                         <m:t>= </m:t>
@@ -6936,7 +6966,7 @@
                       <m:func>
                         <m:funcPr>
                           <m:ctrlPr>
-                            <a:rPr lang="en-US" sz="1000" i="1">
+                            <a:rPr lang="en-US" sz="900" i="1">
                               <a:latin typeface="Cambria Math"/>
                             </a:rPr>
                           </m:ctrlPr>
@@ -6945,7 +6975,7 @@
                           <m:limLow>
                             <m:limLowPr>
                               <m:ctrlPr>
-                                <a:rPr lang="en-US" sz="1000" i="1">
+                                <a:rPr lang="en-US" sz="900" i="1">
                                   <a:latin typeface="Cambria Math"/>
                                 </a:rPr>
                               </m:ctrlPr>
@@ -6955,7 +6985,7 @@
                                 <m:rPr>
                                   <m:sty m:val="p"/>
                                 </m:rPr>
-                                <a:rPr lang="en-US" sz="1000">
+                                <a:rPr lang="en-US" sz="900">
                                   <a:latin typeface="Cambria Math"/>
                                 </a:rPr>
                                 <m:t>max</m:t>
@@ -6963,27 +6993,27 @@
                             </m:e>
                             <m:lim>
                               <m:r>
-                                <a:rPr lang="en-US" sz="1000" i="1">
+                                <a:rPr lang="en-US" sz="900" i="1">
                                   <a:latin typeface="Cambria Math"/>
                                 </a:rPr>
                                 <m:t>𝑖</m:t>
                               </m:r>
                               <m:r>
-                                <a:rPr lang="en-US" sz="1000" i="1">
+                                <a:rPr lang="en-US" sz="900" i="1">
                                   <a:latin typeface="Cambria Math"/>
                                   <a:ea typeface="Cambria Math"/>
                                 </a:rPr>
                                 <m:t>∈</m:t>
                               </m:r>
                               <m:r>
-                                <a:rPr lang="en-US" sz="1000" i="1">
+                                <a:rPr lang="en-US" sz="900" i="1">
                                   <a:latin typeface="Cambria Math"/>
                                   <a:ea typeface="Cambria Math"/>
                                 </a:rPr>
                                 <m:t>𝑈</m:t>
                               </m:r>
                               <m:r>
-                                <a:rPr lang="en-US" sz="1000" i="1">
+                                <a:rPr lang="en-US" sz="900" i="1">
                                   <a:latin typeface="Cambria Math"/>
                                   <a:ea typeface="Cambria Math"/>
                                 </a:rPr>
@@ -6993,7 +7023,7 @@
                                 <m:rPr>
                                   <m:sty m:val="p"/>
                                 </m:rPr>
-                                <a:rPr lang="en-US" sz="1000" i="1">
+                                <a:rPr lang="en-US" sz="900" i="1">
                                   <a:latin typeface="Cambria Math"/>
                                   <a:ea typeface="Cambria Math"/>
                                 </a:rPr>
@@ -7008,7 +7038,7 @@
                               <m:begChr m:val="‖"/>
                               <m:endChr m:val="‖"/>
                               <m:ctrlPr>
-                                <a:rPr lang="en-US" sz="1000" i="1">
+                                <a:rPr lang="en-US" sz="900" i="1">
                                   <a:latin typeface="Cambria Math"/>
                                 </a:rPr>
                               </m:ctrlPr>
@@ -7017,14 +7047,14 @@
                               <m:sSub>
                                 <m:sSubPr>
                                   <m:ctrlPr>
-                                    <a:rPr lang="en-US" sz="1000" i="1">
+                                    <a:rPr lang="en-US" sz="900" i="1">
                                       <a:latin typeface="Cambria Math"/>
                                     </a:rPr>
                                   </m:ctrlPr>
                                 </m:sSubPr>
                                 <m:e>
                                   <m:r>
-                                    <a:rPr lang="en-US" sz="1000" i="1">
+                                    <a:rPr lang="en-US" sz="900" i="1">
                                       <a:latin typeface="Cambria Math"/>
                                     </a:rPr>
                                     <m:t>𝑝</m:t>
@@ -7032,7 +7062,7 @@
                                 </m:e>
                                 <m:sub>
                                   <m:r>
-                                    <a:rPr lang="en-US" sz="1000" i="1">
+                                    <a:rPr lang="en-US" sz="900" i="1">
                                       <a:latin typeface="Cambria Math"/>
                                     </a:rPr>
                                     <m:t>𝑖</m:t>
@@ -7046,7 +7076,7 @@
                     </m:oMath>
                   </m:oMathPara>
                 </a14:m>
-                <a:endParaRPr lang="en-US" sz="1000" dirty="0"/>
+                <a:endParaRPr lang="en-US" sz="900" dirty="0"/>
               </a:p>
             </p:txBody>
           </p:sp>
@@ -7062,8 +7092,8 @@
             </p:nvSpPr>
             <p:spPr>
               <a:xfrm>
-                <a:off x="1414871" y="6175934"/>
-                <a:ext cx="1135263" cy="476121"/>
+                <a:off x="1414871" y="6175935"/>
+                <a:ext cx="1135263" cy="397654"/>
               </a:xfrm>
               <a:prstGeom prst="rect">
                 <a:avLst/>
@@ -7137,14 +7167,14 @@
                           <m:begChr m:val="|"/>
                           <m:endChr m:val="|"/>
                           <m:ctrlPr>
-                            <a:rPr lang="en-US" sz="1000" i="1">
+                            <a:rPr lang="en-US" sz="900" i="1">
                               <a:latin typeface="Cambria Math"/>
                             </a:rPr>
                           </m:ctrlPr>
                         </m:dPr>
                         <m:e>
                           <m:r>
-                            <a:rPr lang="en-US" sz="1000" i="1">
+                            <a:rPr lang="en-US" sz="900" i="1">
                               <a:latin typeface="Cambria Math"/>
                             </a:rPr>
                             <m:t>𝐴</m:t>
@@ -7152,7 +7182,7 @@
                         </m:e>
                       </m:d>
                       <m:r>
-                        <a:rPr lang="en-US" sz="1000" i="1">
+                        <a:rPr lang="en-US" sz="900" i="1">
                           <a:latin typeface="Cambria Math"/>
                         </a:rPr>
                         <m:t>=4</m:t>
@@ -7160,7 +7190,7 @@
                     </m:oMath>
                   </m:oMathPara>
                 </a14:m>
-                <a:endParaRPr lang="en-US" sz="1000" dirty="0"/>
+                <a:endParaRPr lang="en-US" sz="900" dirty="0"/>
               </a:p>
             </p:txBody>
           </p:sp>
@@ -7215,7 +7245,7 @@
         </p:nvCxnSpPr>
         <p:spPr>
           <a:xfrm rot="10800000" flipV="1">
-            <a:off x="867771" y="3912204"/>
+            <a:off x="867771" y="3912205"/>
             <a:ext cx="1180752" cy="1610406"/>
           </a:xfrm>
           <a:prstGeom prst="bentConnector2">
@@ -7251,13 +7281,13 @@
         </p:nvCxnSpPr>
         <p:spPr>
           <a:xfrm flipV="1">
-            <a:off x="1414864" y="5095269"/>
-            <a:ext cx="1433410" cy="669159"/>
+            <a:off x="1414864" y="5095268"/>
+            <a:ext cx="1433412" cy="657620"/>
           </a:xfrm>
           <a:prstGeom prst="bentConnector4">
             <a:avLst>
               <a:gd name="adj1" fmla="val 17097"/>
-              <a:gd name="adj2" fmla="val 134162"/>
+              <a:gd name="adj2" fmla="val 134762"/>
             </a:avLst>
           </a:prstGeom>
           <a:ln>
@@ -7289,8 +7319,8 @@
             </p:nvSpPr>
             <p:spPr>
               <a:xfrm>
-                <a:off x="2467970" y="7884486"/>
-                <a:ext cx="1200150" cy="470280"/>
+                <a:off x="2467970" y="7848600"/>
+                <a:ext cx="1200150" cy="533400"/>
               </a:xfrm>
               <a:prstGeom prst="rect">
                 <a:avLst/>
@@ -7311,7 +7341,7 @@
               </a:fontRef>
             </p:style>
             <p:txBody>
-              <a:bodyPr lIns="91429" tIns="45714" rIns="91429" bIns="45714" spcCol="0" rtlCol="0" anchor="ctr"/>
+              <a:bodyPr lIns="91429" tIns="45714" rIns="91429" bIns="45714" spcCol="0" rtlCol="0" anchor="t"/>
               <a:lstStyle/>
               <a:p>
                 <a:pPr algn="ctr"/>
@@ -7324,14 +7354,14 @@
                       <m:sSub>
                         <m:sSubPr>
                           <m:ctrlPr>
-                            <a:rPr lang="en-US" sz="1000" i="1" smtClean="0">
+                            <a:rPr lang="en-US" sz="900" i="1" smtClean="0">
                               <a:latin typeface="Cambria Math"/>
                             </a:rPr>
                           </m:ctrlPr>
                         </m:sSubPr>
                         <m:e>
                           <m:r>
-                            <a:rPr lang="en-US" sz="1000" b="1" i="1">
+                            <a:rPr lang="en-US" sz="900" b="1" i="1">
                               <a:latin typeface="Cambria Math"/>
                             </a:rPr>
                             <m:t>𝒉</m:t>
@@ -7339,7 +7369,7 @@
                         </m:e>
                         <m:sub>
                           <m:r>
-                            <a:rPr lang="en-US" sz="1000" i="1">
+                            <a:rPr lang="en-US" sz="900" i="1">
                               <a:latin typeface="Cambria Math"/>
                             </a:rPr>
                             <m:t>𝑖</m:t>
@@ -7347,13 +7377,13 @@
                         </m:sub>
                       </m:sSub>
                       <m:r>
-                        <a:rPr lang="en-US" sz="1000" i="1">
+                        <a:rPr lang="en-US" sz="900" i="1">
                           <a:latin typeface="Cambria Math"/>
                         </a:rPr>
                         <m:t>=</m:t>
                       </m:r>
                       <m:r>
-                        <a:rPr lang="en-US" sz="1000" b="1" i="1">
+                        <a:rPr lang="en-US" sz="900" b="1" i="1">
                           <a:latin typeface="Cambria Math"/>
                         </a:rPr>
                         <m:t>𝑵</m:t>
@@ -7361,14 +7391,14 @@
                       <m:d>
                         <m:dPr>
                           <m:ctrlPr>
-                            <a:rPr lang="en-US" sz="1000" i="1">
+                            <a:rPr lang="en-US" sz="900" i="1">
                               <a:latin typeface="Cambria Math"/>
                             </a:rPr>
                           </m:ctrlPr>
                         </m:dPr>
                         <m:e>
                           <m:r>
-                            <a:rPr lang="en-US" sz="1000" b="1" i="1">
+                            <a:rPr lang="en-US" sz="900" b="1" i="1">
                               <a:latin typeface="Cambria Math"/>
                             </a:rPr>
                             <m:t>𝑨</m:t>
@@ -7378,14 +7408,14 @@
                       <m:sSub>
                         <m:sSubPr>
                           <m:ctrlPr>
-                            <a:rPr lang="en-US" sz="1000" i="1">
+                            <a:rPr lang="en-US" sz="900" i="1">
                               <a:latin typeface="Cambria Math"/>
                             </a:rPr>
                           </m:ctrlPr>
                         </m:sSubPr>
                         <m:e>
                           <m:r>
-                            <a:rPr lang="en-US" sz="1000" b="1" i="1">
+                            <a:rPr lang="en-US" sz="900" b="1" i="1">
                               <a:latin typeface="Cambria Math"/>
                             </a:rPr>
                             <m:t>𝒉</m:t>
@@ -7393,7 +7423,7 @@
                         </m:e>
                         <m:sub>
                           <m:r>
-                            <a:rPr lang="en-US" sz="1000" i="1">
+                            <a:rPr lang="en-US" sz="900" i="1">
                               <a:latin typeface="Cambria Math"/>
                             </a:rPr>
                             <m:t>𝑖</m:t>
@@ -7401,20 +7431,20 @@
                         </m:sub>
                       </m:sSub>
                       <m:r>
-                        <a:rPr lang="en-US" sz="1000" i="1">
+                        <a:rPr lang="en-US" sz="900" i="1">
                           <a:latin typeface="Cambria Math"/>
                         </a:rPr>
                         <m:t>,</m:t>
                       </m:r>
                       <m:r>
-                        <a:rPr lang="en-US" sz="1000" i="1">
+                        <a:rPr lang="en-US" sz="900" i="1">
                           <a:latin typeface="Cambria Math"/>
                           <a:ea typeface="Cambria Math"/>
                         </a:rPr>
                         <m:t>∀</m:t>
                       </m:r>
                       <m:r>
-                        <a:rPr lang="en-US" sz="1000" i="1">
+                        <a:rPr lang="en-US" sz="900" i="1">
                           <a:latin typeface="Cambria Math"/>
                           <a:ea typeface="Cambria Math"/>
                         </a:rPr>
@@ -7423,7 +7453,7 @@
                     </m:oMath>
                   </m:oMathPara>
                 </a14:m>
-                <a:endParaRPr lang="en-US" sz="1000" dirty="0"/>
+                <a:endParaRPr lang="en-US" sz="900" dirty="0"/>
               </a:p>
               <a:p>
                 <a:pPr algn="ctr"/>
@@ -7434,25 +7464,25 @@
                     </m:oMathParaPr>
                     <m:oMath xmlns:m="http://schemas.openxmlformats.org/officeDocument/2006/math">
                       <m:r>
-                        <a:rPr lang="en-US" sz="1000" b="1" i="1">
+                        <a:rPr lang="en-US" sz="900" b="1" i="1">
                           <a:latin typeface="Cambria Math"/>
                         </a:rPr>
                         <m:t>𝑮</m:t>
                       </m:r>
                       <m:r>
-                        <a:rPr lang="en-US" sz="1000" i="1">
+                        <a:rPr lang="en-US" sz="900" i="1">
                           <a:latin typeface="Cambria Math"/>
                         </a:rPr>
                         <m:t>=[</m:t>
                       </m:r>
                       <m:r>
-                        <a:rPr lang="en-US" sz="1000" b="0" i="1" smtClean="0">
+                        <a:rPr lang="en-US" sz="900" b="0" i="1" smtClean="0">
                           <a:latin typeface="Cambria Math"/>
                         </a:rPr>
                         <m:t> </m:t>
                       </m:r>
                       <m:r>
-                        <a:rPr lang="en-US" sz="1000" i="1">
+                        <a:rPr lang="en-US" sz="900" i="1">
                           <a:latin typeface="Cambria Math"/>
                         </a:rPr>
                         <m:t>]</m:t>
@@ -7460,7 +7490,7 @@
                     </m:oMath>
                   </m:oMathPara>
                 </a14:m>
-                <a:endParaRPr lang="en-US" sz="1200" b="1" dirty="0"/>
+                <a:endParaRPr lang="en-US" sz="1100" b="1" dirty="0"/>
               </a:p>
             </p:txBody>
           </p:sp>
@@ -7476,8 +7506,8 @@
             </p:nvSpPr>
             <p:spPr>
               <a:xfrm>
-                <a:off x="2467970" y="7884486"/>
-                <a:ext cx="1200150" cy="470280"/>
+                <a:off x="2467970" y="7848600"/>
+                <a:ext cx="1200150" cy="533400"/>
               </a:xfrm>
               <a:prstGeom prst="rect">
                 <a:avLst/>
@@ -7519,7 +7549,9 @@
             <a:ext cx="324229" cy="279544"/>
           </a:xfrm>
           <a:prstGeom prst="bentConnector3">
-            <a:avLst/>
+            <a:avLst>
+              <a:gd name="adj1" fmla="val 38249"/>
+            </a:avLst>
           </a:prstGeom>
           <a:ln>
             <a:tailEnd type="triangle"/>
@@ -7550,9 +7582,9 @@
           <p:nvPr/>
         </p:nvCxnSpPr>
         <p:spPr>
-          <a:xfrm>
-            <a:off x="2209800" y="8119625"/>
-            <a:ext cx="258170" cy="0"/>
+          <a:xfrm flipV="1">
+            <a:off x="2209802" y="8115300"/>
+            <a:ext cx="258168" cy="4325"/>
           </a:xfrm>
           <a:prstGeom prst="straightConnector1">
             <a:avLst/>
@@ -7587,8 +7619,8 @@
         </p:nvCxnSpPr>
         <p:spPr>
           <a:xfrm rot="10800000" flipV="1">
-            <a:off x="1070973" y="6413994"/>
-            <a:ext cx="343896" cy="528515"/>
+            <a:off x="1070975" y="6374762"/>
+            <a:ext cx="343896" cy="567748"/>
           </a:xfrm>
           <a:prstGeom prst="bentConnector2">
             <a:avLst/>
@@ -7612,8 +7644,8 @@
           </a:fontRef>
         </p:style>
       </p:cxnSp>
-      <mc:AlternateContent xmlns:mc="http://schemas.openxmlformats.org/markup-compatibility/2006">
-        <mc:Choice xmlns:a14="http://schemas.microsoft.com/office/drawing/2010/main" Requires="a14">
+      <mc:AlternateContent xmlns:mc="http://schemas.openxmlformats.org/markup-compatibility/2006" xmlns:a14="http://schemas.microsoft.com/office/drawing/2010/main">
+        <mc:Choice Requires="a14">
           <p:sp>
             <p:nvSpPr>
               <p:cNvPr id="255" name="TextBox 254"/>
@@ -7660,7 +7692,7 @@
             </p:txBody>
           </p:sp>
         </mc:Choice>
-        <mc:Fallback>
+        <mc:Fallback xmlns="">
           <p:sp>
             <p:nvSpPr>
               <p:cNvPr id="255" name="TextBox 254"/>
@@ -7699,8 +7731,8 @@
           </p:sp>
         </mc:Fallback>
       </mc:AlternateContent>
-      <mc:AlternateContent xmlns:mc="http://schemas.openxmlformats.org/markup-compatibility/2006">
-        <mc:Choice xmlns:a14="http://schemas.microsoft.com/office/drawing/2010/main" Requires="a14">
+      <mc:AlternateContent xmlns:mc="http://schemas.openxmlformats.org/markup-compatibility/2006" xmlns:a14="http://schemas.microsoft.com/office/drawing/2010/main">
+        <mc:Choice Requires="a14">
           <p:sp>
             <p:nvSpPr>
               <p:cNvPr id="260" name="TextBox 259"/>
@@ -7747,7 +7779,7 @@
             </p:txBody>
           </p:sp>
         </mc:Choice>
-        <mc:Fallback>
+        <mc:Fallback xmlns="">
           <p:sp>
             <p:nvSpPr>
               <p:cNvPr id="260" name="TextBox 259"/>
@@ -7786,8 +7818,8 @@
           </p:sp>
         </mc:Fallback>
       </mc:AlternateContent>
-      <mc:AlternateContent xmlns:mc="http://schemas.openxmlformats.org/markup-compatibility/2006">
-        <mc:Choice xmlns:a14="http://schemas.microsoft.com/office/drawing/2010/main" Requires="a14">
+      <mc:AlternateContent xmlns:mc="http://schemas.openxmlformats.org/markup-compatibility/2006" xmlns:a14="http://schemas.microsoft.com/office/drawing/2010/main">
+        <mc:Choice Requires="a14">
           <p:sp>
             <p:nvSpPr>
               <p:cNvPr id="261" name="TextBox 260"/>
@@ -7834,7 +7866,7 @@
             </p:txBody>
           </p:sp>
         </mc:Choice>
-        <mc:Fallback>
+        <mc:Fallback xmlns="">
           <p:sp>
             <p:nvSpPr>
               <p:cNvPr id="261" name="TextBox 260"/>
@@ -7873,8 +7905,8 @@
           </p:sp>
         </mc:Fallback>
       </mc:AlternateContent>
-      <mc:AlternateContent xmlns:mc="http://schemas.openxmlformats.org/markup-compatibility/2006">
-        <mc:Choice xmlns:a14="http://schemas.microsoft.com/office/drawing/2010/main" Requires="a14">
+      <mc:AlternateContent xmlns:mc="http://schemas.openxmlformats.org/markup-compatibility/2006" xmlns:a14="http://schemas.microsoft.com/office/drawing/2010/main">
+        <mc:Choice Requires="a14">
           <p:sp>
             <p:nvSpPr>
               <p:cNvPr id="262" name="TextBox 261"/>
@@ -7921,7 +7953,7 @@
             </p:txBody>
           </p:sp>
         </mc:Choice>
-        <mc:Fallback>
+        <mc:Fallback xmlns="">
           <p:sp>
             <p:nvSpPr>
               <p:cNvPr id="262" name="TextBox 261"/>
@@ -7960,8 +7992,8 @@
           </p:sp>
         </mc:Fallback>
       </mc:AlternateContent>
-      <mc:AlternateContent xmlns:mc="http://schemas.openxmlformats.org/markup-compatibility/2006">
-        <mc:Choice xmlns:a14="http://schemas.microsoft.com/office/drawing/2010/main" Requires="a14">
+      <mc:AlternateContent xmlns:mc="http://schemas.openxmlformats.org/markup-compatibility/2006" xmlns:a14="http://schemas.microsoft.com/office/drawing/2010/main">
+        <mc:Choice Requires="a14">
           <p:sp>
             <p:nvSpPr>
               <p:cNvPr id="271" name="TextBox 270"/>
@@ -8008,7 +8040,7 @@
             </p:txBody>
           </p:sp>
         </mc:Choice>
-        <mc:Fallback>
+        <mc:Fallback xmlns="">
           <p:sp>
             <p:nvSpPr>
               <p:cNvPr id="271" name="TextBox 270"/>
@@ -8058,8 +8090,8 @@
         </p:nvCxnSpPr>
         <p:spPr>
           <a:xfrm flipV="1">
-            <a:off x="3668122" y="3312275"/>
-            <a:ext cx="773411" cy="4807351"/>
+            <a:off x="3668120" y="3312275"/>
+            <a:ext cx="773411" cy="4803025"/>
           </a:xfrm>
           <a:prstGeom prst="bentConnector2">
             <a:avLst/>
@@ -8083,8 +8115,8 @@
           </a:fontRef>
         </p:style>
       </p:cxnSp>
-      <mc:AlternateContent xmlns:mc="http://schemas.openxmlformats.org/markup-compatibility/2006">
-        <mc:Choice xmlns:a14="http://schemas.microsoft.com/office/drawing/2010/main" Requires="a14">
+      <mc:AlternateContent xmlns:mc="http://schemas.openxmlformats.org/markup-compatibility/2006" xmlns:a14="http://schemas.microsoft.com/office/drawing/2010/main">
+        <mc:Choice Requires="a14">
           <p:sp>
             <p:nvSpPr>
               <p:cNvPr id="282" name="TextBox 281"/>
@@ -8131,7 +8163,7 @@
             </p:txBody>
           </p:sp>
         </mc:Choice>
-        <mc:Fallback>
+        <mc:Fallback xmlns="">
           <p:sp>
             <p:nvSpPr>
               <p:cNvPr id="282" name="TextBox 281"/>
@@ -8170,8 +8202,8 @@
           </p:sp>
         </mc:Fallback>
       </mc:AlternateContent>
-      <mc:AlternateContent xmlns:mc="http://schemas.openxmlformats.org/markup-compatibility/2006">
-        <mc:Choice xmlns:a14="http://schemas.microsoft.com/office/drawing/2010/main" Requires="a14">
+      <mc:AlternateContent xmlns:mc="http://schemas.openxmlformats.org/markup-compatibility/2006" xmlns:a14="http://schemas.microsoft.com/office/drawing/2010/main">
+        <mc:Choice Requires="a14">
           <p:sp>
             <p:nvSpPr>
               <p:cNvPr id="283" name="TextBox 282"/>
@@ -8218,7 +8250,7 @@
             </p:txBody>
           </p:sp>
         </mc:Choice>
-        <mc:Fallback>
+        <mc:Fallback xmlns="">
           <p:sp>
             <p:nvSpPr>
               <p:cNvPr id="283" name="TextBox 282"/>
@@ -8454,7 +8486,7 @@
             <p:spPr>
               <a:xfrm>
                 <a:off x="2731799" y="6093852"/>
-                <a:ext cx="1086644" cy="361822"/>
+                <a:ext cx="1086644" cy="306948"/>
               </a:xfrm>
               <a:prstGeom prst="rect">
                 <a:avLst/>
@@ -8486,55 +8518,55 @@
                     </m:oMathParaPr>
                     <m:oMath xmlns:m="http://schemas.openxmlformats.org/officeDocument/2006/math">
                       <m:r>
-                        <a:rPr lang="en-US" sz="1000" b="0" i="1" smtClean="0">
+                        <a:rPr lang="en-US" sz="900" b="0" i="1" smtClean="0">
                           <a:latin typeface="Cambria Math"/>
                         </a:rPr>
                         <m:t>[</m:t>
                       </m:r>
                       <m:r>
-                        <a:rPr lang="en-US" sz="1000" b="0" i="1" smtClean="0">
+                        <a:rPr lang="en-US" sz="900" b="0" i="1" smtClean="0">
                           <a:latin typeface="Cambria Math"/>
                         </a:rPr>
                         <m:t>𝑚</m:t>
                       </m:r>
                       <m:r>
-                        <a:rPr lang="en-US" sz="1000" b="0" i="1" smtClean="0">
+                        <a:rPr lang="en-US" sz="900" b="0" i="1" smtClean="0">
                           <a:latin typeface="Cambria Math"/>
                         </a:rPr>
                         <m:t>,</m:t>
                       </m:r>
                       <m:r>
-                        <a:rPr lang="en-US" sz="1000" b="0" i="1" smtClean="0">
+                        <a:rPr lang="en-US" sz="900" b="0" i="1" smtClean="0">
                           <a:latin typeface="Cambria Math"/>
                         </a:rPr>
                         <m:t>𝑛</m:t>
                       </m:r>
                       <m:r>
-                        <a:rPr lang="en-US" sz="1000" b="0" i="1" smtClean="0">
+                        <a:rPr lang="en-US" sz="900" b="0" i="1" smtClean="0">
                           <a:latin typeface="Cambria Math"/>
                         </a:rPr>
                         <m:t>]=</m:t>
                       </m:r>
                       <m:r>
-                        <a:rPr lang="en-US" sz="1000" b="0" i="1" smtClean="0">
+                        <a:rPr lang="en-US" sz="900" b="0" i="1" smtClean="0">
                           <a:latin typeface="Cambria Math"/>
                         </a:rPr>
                         <m:t>𝑠𝑖𝑧𝑒</m:t>
                       </m:r>
                       <m:r>
-                        <a:rPr lang="en-US" sz="1000" b="0" i="1" smtClean="0">
+                        <a:rPr lang="en-US" sz="900" b="0" i="1" smtClean="0">
                           <a:latin typeface="Cambria Math"/>
                         </a:rPr>
                         <m:t>(</m:t>
                       </m:r>
                       <m:r>
-                        <a:rPr lang="en-US" sz="1000" b="1" i="1" smtClean="0">
+                        <a:rPr lang="en-US" sz="900" b="1" i="1" smtClean="0">
                           <a:latin typeface="Cambria Math"/>
                         </a:rPr>
                         <m:t>𝑮</m:t>
                       </m:r>
                       <m:r>
-                        <a:rPr lang="en-US" sz="1000" b="1" i="1" smtClean="0">
+                        <a:rPr lang="en-US" sz="900" b="1" i="1" smtClean="0">
                           <a:latin typeface="Cambria Math"/>
                         </a:rPr>
                         <m:t>)</m:t>
@@ -8542,7 +8574,7 @@
                     </m:oMath>
                   </m:oMathPara>
                 </a14:m>
-                <a:endParaRPr lang="en-US" sz="1000" b="1" dirty="0"/>
+                <a:endParaRPr lang="en-US" sz="900" b="1" dirty="0"/>
               </a:p>
             </p:txBody>
           </p:sp>
@@ -8559,7 +8591,7 @@
             <p:spPr>
               <a:xfrm>
                 <a:off x="2731799" y="6093852"/>
-                <a:ext cx="1086644" cy="361822"/>
+                <a:ext cx="1086644" cy="306948"/>
               </a:xfrm>
               <a:prstGeom prst="rect">
                 <a:avLst/>
@@ -8597,13 +8629,13 @@
         </p:nvCxnSpPr>
         <p:spPr>
           <a:xfrm flipH="1">
-            <a:off x="3275121" y="5438169"/>
-            <a:ext cx="516426" cy="655682"/>
+            <a:off x="3275121" y="5404528"/>
+            <a:ext cx="516428" cy="689324"/>
           </a:xfrm>
           <a:prstGeom prst="bentConnector4">
             <a:avLst>
-              <a:gd name="adj1" fmla="val -24592"/>
-              <a:gd name="adj2" fmla="val 76148"/>
+              <a:gd name="adj1" fmla="val -44266"/>
+              <a:gd name="adj2" fmla="val 72432"/>
             </a:avLst>
           </a:prstGeom>
           <a:ln>
@@ -8672,8 +8704,8 @@
         </p:nvCxnSpPr>
         <p:spPr>
           <a:xfrm rot="5400000">
-            <a:off x="2217958" y="5545616"/>
-            <a:ext cx="394863" cy="865773"/>
+            <a:off x="2184316" y="5511975"/>
+            <a:ext cx="462148" cy="865773"/>
           </a:xfrm>
           <a:prstGeom prst="bentConnector3">
             <a:avLst/>
@@ -8697,6 +8729,226 @@
           </a:fontRef>
         </p:style>
       </p:cxnSp>
+      <p:sp>
+        <p:nvSpPr>
+          <p:cNvPr id="2" name="TextBox 1"/>
+          <p:cNvSpPr txBox="1"/>
+          <p:nvPr/>
+        </p:nvSpPr>
+        <p:spPr>
+          <a:xfrm>
+            <a:off x="5200004" y="4995695"/>
+            <a:ext cx="822423" cy="169277"/>
+          </a:xfrm>
+          <a:prstGeom prst="rect">
+            <a:avLst/>
+          </a:prstGeom>
+          <a:noFill/>
+        </p:spPr>
+        <p:txBody>
+          <a:bodyPr wrap="square" rtlCol="0" anchor="b">
+            <a:spAutoFit/>
+          </a:bodyPr>
+          <a:lstStyle/>
+          <a:p>
+            <a:r>
+              <a:rPr lang="en-US" sz="500" dirty="0" smtClean="0"/>
+              <a:t>stacking channel vectors</a:t>
+            </a:r>
+            <a:endParaRPr lang="en-US" sz="500" dirty="0"/>
+          </a:p>
+        </p:txBody>
+      </p:sp>
+      <p:sp>
+        <p:nvSpPr>
+          <p:cNvPr id="64" name="TextBox 63"/>
+          <p:cNvSpPr txBox="1"/>
+          <p:nvPr/>
+        </p:nvSpPr>
+        <p:spPr>
+          <a:xfrm>
+            <a:off x="5200003" y="5679788"/>
+            <a:ext cx="822423" cy="169277"/>
+          </a:xfrm>
+          <a:prstGeom prst="rect">
+            <a:avLst/>
+          </a:prstGeom>
+          <a:noFill/>
+        </p:spPr>
+        <p:txBody>
+          <a:bodyPr wrap="square" rtlCol="0" anchor="b">
+            <a:spAutoFit/>
+          </a:bodyPr>
+          <a:lstStyle/>
+          <a:p>
+            <a:pPr algn="ctr"/>
+            <a:r>
+              <a:rPr lang="en-US" sz="500" dirty="0"/>
+              <a:t>n</a:t>
+            </a:r>
+            <a:r>
+              <a:rPr lang="en-US" sz="500" dirty="0" smtClean="0"/>
+              <a:t>ull space evaluation</a:t>
+            </a:r>
+            <a:endParaRPr lang="en-US" sz="500" dirty="0"/>
+          </a:p>
+        </p:txBody>
+      </p:sp>
+      <p:sp>
+        <p:nvSpPr>
+          <p:cNvPr id="65" name="TextBox 64"/>
+          <p:cNvSpPr txBox="1"/>
+          <p:nvPr/>
+        </p:nvSpPr>
+        <p:spPr>
+          <a:xfrm>
+            <a:off x="5200002" y="6371035"/>
+            <a:ext cx="822423" cy="169277"/>
+          </a:xfrm>
+          <a:prstGeom prst="rect">
+            <a:avLst/>
+          </a:prstGeom>
+          <a:noFill/>
+        </p:spPr>
+        <p:txBody>
+          <a:bodyPr wrap="square" rtlCol="0" anchor="b">
+            <a:spAutoFit/>
+          </a:bodyPr>
+          <a:lstStyle/>
+          <a:p>
+            <a:pPr algn="ctr"/>
+            <a:r>
+              <a:rPr lang="en-US" sz="500" dirty="0" smtClean="0"/>
+              <a:t>metric calculation</a:t>
+            </a:r>
+            <a:endParaRPr lang="en-US" sz="500" dirty="0"/>
+          </a:p>
+        </p:txBody>
+      </p:sp>
+      <p:sp>
+        <p:nvSpPr>
+          <p:cNvPr id="66" name="TextBox 65"/>
+          <p:cNvSpPr txBox="1"/>
+          <p:nvPr/>
+        </p:nvSpPr>
+        <p:spPr>
+          <a:xfrm>
+            <a:off x="2590800" y="8178948"/>
+            <a:ext cx="942976" cy="169277"/>
+          </a:xfrm>
+          <a:prstGeom prst="rect">
+            <a:avLst/>
+          </a:prstGeom>
+          <a:noFill/>
+        </p:spPr>
+        <p:txBody>
+          <a:bodyPr wrap="square" rtlCol="0" anchor="b">
+            <a:spAutoFit/>
+          </a:bodyPr>
+          <a:lstStyle/>
+          <a:p>
+            <a:pPr algn="ctr"/>
+            <a:r>
+              <a:rPr lang="en-US" sz="500" dirty="0" smtClean="0"/>
+              <a:t>projection onto null space</a:t>
+            </a:r>
+            <a:endParaRPr lang="en-US" sz="500" dirty="0"/>
+          </a:p>
+        </p:txBody>
+      </p:sp>
+      <p:sp>
+        <p:nvSpPr>
+          <p:cNvPr id="73" name="TextBox 72"/>
+          <p:cNvSpPr txBox="1"/>
+          <p:nvPr/>
+        </p:nvSpPr>
+        <p:spPr>
+          <a:xfrm>
+            <a:off x="879031" y="8171158"/>
+            <a:ext cx="942976" cy="169277"/>
+          </a:xfrm>
+          <a:prstGeom prst="rect">
+            <a:avLst/>
+          </a:prstGeom>
+          <a:noFill/>
+        </p:spPr>
+        <p:txBody>
+          <a:bodyPr wrap="square" rtlCol="0" anchor="b">
+            <a:spAutoFit/>
+          </a:bodyPr>
+          <a:lstStyle/>
+          <a:p>
+            <a:pPr algn="ctr"/>
+            <a:r>
+              <a:rPr lang="en-US" sz="500" dirty="0" smtClean="0"/>
+              <a:t>null space evaluation</a:t>
+            </a:r>
+            <a:endParaRPr lang="en-US" sz="500" dirty="0"/>
+          </a:p>
+        </p:txBody>
+      </p:sp>
+      <p:sp>
+        <p:nvSpPr>
+          <p:cNvPr id="79" name="TextBox 78"/>
+          <p:cNvSpPr txBox="1"/>
+          <p:nvPr/>
+        </p:nvSpPr>
+        <p:spPr>
+          <a:xfrm>
+            <a:off x="2095896" y="5522611"/>
+            <a:ext cx="1504758" cy="169277"/>
+          </a:xfrm>
+          <a:prstGeom prst="rect">
+            <a:avLst/>
+          </a:prstGeom>
+          <a:noFill/>
+        </p:spPr>
+        <p:txBody>
+          <a:bodyPr wrap="square" rtlCol="0" anchor="b">
+            <a:spAutoFit/>
+          </a:bodyPr>
+          <a:lstStyle/>
+          <a:p>
+            <a:pPr algn="ctr"/>
+            <a:r>
+              <a:rPr lang="en-US" sz="500" dirty="0" smtClean="0"/>
+              <a:t>Product of vector projection difference</a:t>
+            </a:r>
+            <a:endParaRPr lang="en-US" sz="500" dirty="0"/>
+          </a:p>
+        </p:txBody>
+      </p:sp>
+      <p:sp>
+        <p:nvSpPr>
+          <p:cNvPr id="87" name="TextBox 86"/>
+          <p:cNvSpPr txBox="1"/>
+          <p:nvPr/>
+        </p:nvSpPr>
+        <p:spPr>
+          <a:xfrm>
+            <a:off x="1160080" y="1626876"/>
+            <a:ext cx="822423" cy="169277"/>
+          </a:xfrm>
+          <a:prstGeom prst="rect">
+            <a:avLst/>
+          </a:prstGeom>
+          <a:noFill/>
+        </p:spPr>
+        <p:txBody>
+          <a:bodyPr wrap="square" rtlCol="0" anchor="b">
+            <a:spAutoFit/>
+          </a:bodyPr>
+          <a:lstStyle/>
+          <a:p>
+            <a:pPr algn="ctr"/>
+            <a:r>
+              <a:rPr lang="en-US" sz="500" dirty="0" smtClean="0"/>
+              <a:t>SVD of channel</a:t>
+            </a:r>
+            <a:endParaRPr lang="en-US" sz="500" dirty="0"/>
+          </a:p>
+        </p:txBody>
+      </p:sp>
     </p:spTree>
     <p:extLst>
       <p:ext uri="{BB962C8B-B14F-4D97-AF65-F5344CB8AC3E}">
